--- a/samples/pptx/sample.pptx
+++ b/samples/pptx/sample.pptx
@@ -348,7 +348,7 @@
             <a:fld id="{B6F15528-21DE-4FAA-801E-634DDDAF4B2B}" type="slidenum">
               <a:rPr lang="en-US" smtClean="0"/>
               <a:pPr/>
-              <a:t>9#:</a:t>
+              <a:t>‹#›</a:t>
             </a:fld>
             <a:endParaRPr lang="en-US"/>
           </a:p>
@@ -515,7 +515,7 @@
             <a:fld id="{B6F15528-21DE-4FAA-801E-634DDDAF4B2B}" type="slidenum">
               <a:rPr lang="en-US" smtClean="0"/>
               <a:pPr/>
-              <a:t>9#:</a:t>
+              <a:t>‹#›</a:t>
             </a:fld>
             <a:endParaRPr lang="en-US"/>
           </a:p>
@@ -692,7 +692,7 @@
             <a:fld id="{B6F15528-21DE-4FAA-801E-634DDDAF4B2B}" type="slidenum">
               <a:rPr lang="en-US" smtClean="0"/>
               <a:pPr/>
-              <a:t>9#:</a:t>
+              <a:t>‹#›</a:t>
             </a:fld>
             <a:endParaRPr lang="en-US"/>
           </a:p>
@@ -859,7 +859,7 @@
             <a:fld id="{B6F15528-21DE-4FAA-801E-634DDDAF4B2B}" type="slidenum">
               <a:rPr lang="en-US" smtClean="0"/>
               <a:pPr/>
-              <a:t>9#:</a:t>
+              <a:t>‹#›</a:t>
             </a:fld>
             <a:endParaRPr lang="en-US"/>
           </a:p>
@@ -1102,7 +1102,7 @@
             <a:fld id="{B6F15528-21DE-4FAA-801E-634DDDAF4B2B}" type="slidenum">
               <a:rPr lang="en-US" smtClean="0"/>
               <a:pPr/>
-              <a:t>9#:</a:t>
+              <a:t>‹#›</a:t>
             </a:fld>
             <a:endParaRPr lang="en-US"/>
           </a:p>
@@ -1387,7 +1387,7 @@
             <a:fld id="{B6F15528-21DE-4FAA-801E-634DDDAF4B2B}" type="slidenum">
               <a:rPr lang="en-US" smtClean="0"/>
               <a:pPr/>
-              <a:t>9#:</a:t>
+              <a:t>‹#›</a:t>
             </a:fld>
             <a:endParaRPr lang="en-US"/>
           </a:p>
@@ -1806,7 +1806,7 @@
             <a:fld id="{B6F15528-21DE-4FAA-801E-634DDDAF4B2B}" type="slidenum">
               <a:rPr lang="en-US" smtClean="0"/>
               <a:pPr/>
-              <a:t>9#:</a:t>
+              <a:t>‹#›</a:t>
             </a:fld>
             <a:endParaRPr lang="en-US"/>
           </a:p>
@@ -1921,7 +1921,7 @@
             <a:fld id="{B6F15528-21DE-4FAA-801E-634DDDAF4B2B}" type="slidenum">
               <a:rPr lang="en-US" smtClean="0"/>
               <a:pPr/>
-              <a:t>9#:</a:t>
+              <a:t>‹#›</a:t>
             </a:fld>
             <a:endParaRPr lang="en-US"/>
           </a:p>
@@ -2013,7 +2013,7 @@
             <a:fld id="{B6F15528-21DE-4FAA-801E-634DDDAF4B2B}" type="slidenum">
               <a:rPr lang="en-US" smtClean="0"/>
               <a:pPr/>
-              <a:t>9#:</a:t>
+              <a:t>‹#›</a:t>
             </a:fld>
             <a:endParaRPr lang="en-US"/>
           </a:p>
@@ -2287,7 +2287,7 @@
             <a:fld id="{B6F15528-21DE-4FAA-801E-634DDDAF4B2B}" type="slidenum">
               <a:rPr lang="en-US" smtClean="0"/>
               <a:pPr/>
-              <a:t>9#:</a:t>
+              <a:t>‹#›</a:t>
             </a:fld>
             <a:endParaRPr lang="en-US"/>
           </a:p>
@@ -2537,7 +2537,7 @@
             <a:fld id="{B6F15528-21DE-4FAA-801E-634DDDAF4B2B}" type="slidenum">
               <a:rPr lang="en-US" smtClean="0"/>
               <a:pPr/>
-              <a:t>9#:</a:t>
+              <a:t>‹#›</a:t>
             </a:fld>
             <a:endParaRPr lang="en-US"/>
           </a:p>
@@ -2551,7 +2551,7 @@
 </p:sldLayout>
 </file>
 
-<file path=ppt/slideMasters/slideMaster1.xml><?xml version="1.0" encoding="UTF-8" standalone="yes"?>
+<file path=ppt/slideMasters/slideMaster1.xml><?xml version="1.0" encoding="utf-8"?>
 <p:sldMaster xmlns:a="http://schemas.openxmlformats.org/drawingml/2006/main" xmlns:p="http://schemas.openxmlformats.org/presentationml/2006/main" xmlns:r="http://schemas.openxmlformats.org/officeDocument/2006/relationships">
   <p:cSld>
     <p:bg>
@@ -2783,7 +2783,7 @@
             <a:fld id="{B6F15528-21DE-4FAA-801E-634DDDAF4B2B}" type="slidenum">
               <a:rPr lang="en-US" smtClean="0"/>
               <a:pPr/>
-              <a:t>9#:</a:t>
+              <a:t>‹#›</a:t>
             </a:fld>
             <a:endParaRPr lang="en-US"/>
           </a:p>
@@ -2828,7 +2828,7 @@
           <a:spcPct val="20000"/>
         </a:spcBef>
         <a:buFont charset="0" pitchFamily="34" typeface="Arial"/>
-        <a:buChar char="""/>
+        <a:buChar char="•"/>
         <a:defRPr kern="1200" sz="3200">
           <a:solidFill>
             <a:schemeClr val="tx1"/>
@@ -2843,7 +2843,7 @@
           <a:spcPct val="20000"/>
         </a:spcBef>
         <a:buFont charset="0" pitchFamily="34" typeface="Arial"/>
-        <a:buChar char=""/>
+        <a:buChar char="–"/>
         <a:defRPr kern="1200" sz="2800">
           <a:solidFill>
             <a:schemeClr val="tx1"/>
@@ -2858,7 +2858,7 @@
           <a:spcPct val="20000"/>
         </a:spcBef>
         <a:buFont charset="0" pitchFamily="34" typeface="Arial"/>
-        <a:buChar char="""/>
+        <a:buChar char="•"/>
         <a:defRPr kern="1200" sz="2400">
           <a:solidFill>
             <a:schemeClr val="tx1"/>
@@ -2873,7 +2873,7 @@
           <a:spcPct val="20000"/>
         </a:spcBef>
         <a:buFont charset="0" pitchFamily="34" typeface="Arial"/>
-        <a:buChar char=""/>
+        <a:buChar char="–"/>
         <a:defRPr kern="1200" sz="2000">
           <a:solidFill>
             <a:schemeClr val="tx1"/>
@@ -2888,7 +2888,7 @@
           <a:spcPct val="20000"/>
         </a:spcBef>
         <a:buFont charset="0" pitchFamily="34" typeface="Arial"/>
-        <a:buChar char="�"/>
+        <a:buChar char="»"/>
         <a:defRPr kern="1200" sz="2000">
           <a:solidFill>
             <a:schemeClr val="tx1"/>
@@ -2903,7 +2903,7 @@
           <a:spcPct val="20000"/>
         </a:spcBef>
         <a:buFont charset="0" pitchFamily="34" typeface="Arial"/>
-        <a:buChar char="""/>
+        <a:buChar char="•"/>
         <a:defRPr kern="1200" sz="2000">
           <a:solidFill>
             <a:schemeClr val="tx1"/>
@@ -2918,7 +2918,7 @@
           <a:spcPct val="20000"/>
         </a:spcBef>
         <a:buFont charset="0" pitchFamily="34" typeface="Arial"/>
-        <a:buChar char="""/>
+        <a:buChar char="•"/>
         <a:defRPr kern="1200" sz="2000">
           <a:solidFill>
             <a:schemeClr val="tx1"/>
@@ -2933,7 +2933,7 @@
           <a:spcPct val="20000"/>
         </a:spcBef>
         <a:buFont charset="0" pitchFamily="34" typeface="Arial"/>
-        <a:buChar char="""/>
+        <a:buChar char="•"/>
         <a:defRPr kern="1200" sz="2000">
           <a:solidFill>
             <a:schemeClr val="tx1"/>
@@ -2948,7 +2948,7 @@
           <a:spcPct val="20000"/>
         </a:spcBef>
         <a:buFont charset="0" pitchFamily="34" typeface="Arial"/>
-        <a:buChar char="""/>
+        <a:buChar char="•"/>
         <a:defRPr kern="1200" sz="2000">
           <a:solidFill>
             <a:schemeClr val="tx1"/>
@@ -3140,6 +3140,285 @@
 </p:sld>
 </file>
 
-<file path=ppt/theme/theme1.xml><?xml version="1.0" encoding="UTF-8" standalone="yes"?>
-<a:theme xmlns:a="http://schemas.openxmlformats.org/drawingml/2006/main" name="Office Theme"><a:themeElements><a:clrScheme name="Office"><a:dk1><a:sysClr val="windowText" lastClr="000000"/></a:dk1><a:lt1><a:sysClr val="window" lastClr="FFFFFF"/></a:lt1><a:dk2><a:srgbClr val="1F497D"/></a:dk2><a:lt2><a:srgbClr val="EEECE1"/></a:lt2><a:accent1><a:srgbClr val="4F81BD"/></a:accent1><a:accent2><a:srgbClr val="C0504D"/></a:accent2><a:accent3><a:srgbClr val="9BBB59"/></a:accent3><a:accent4><a:srgbClr val="8064A2"/></a:accent4><a:accent5><a:srgbClr val="4BACC6"/></a:accent5><a:accent6><a:srgbClr val="F79646"/></a:accent6><a:hlink><a:srgbClr val="0000FF"/></a:hlink><a:folHlink><a:srgbClr val="800080"/></a:folHlink></a:clrScheme><a:fontScheme name="Office"><a:majorFont><a:latin typeface="Calibri"/><a:ea typeface=""/><a:cs typeface=""/><a:font script="Jpan" typeface="-3 0��ï"/><a:font script="Hang" typeface="�@ �"/><a:font script="Hans" typeface="�S"/><a:font script="Hant" typeface="�0�"/><a:font script="Arab" typeface="Times New Roman"/><a:font script="Hebr" typeface="Times New Roman"/><a:font script="Thai" typeface="Angsana New"/><a:font script="Ethi" typeface="Nyala"/><a:font script="Beng" typeface="Vrinda"/><a:font script="Gujr" typeface="Shruti"/><a:font script="Khmr" typeface="MoolBoran"/><a:font script="Knda" typeface="Tunga"/><a:font script="Guru" typeface="Raavi"/><a:font script="Cans" typeface="Euphemia"/><a:font script="Cher" typeface="Plantagenet Cherokee"/><a:font script="Yiii" typeface="Microsoft Yi Baiti"/><a:font script="Tibt" typeface="Microsoft Himalaya"/><a:font script="Thaa" typeface="MV Boli"/><a:font script="Deva" typeface="Mangal"/><a:font script="Telu" typeface="Gautami"/><a:font script="Taml" typeface="Latha"/><a:font script="Syrc" typeface="Estrangelo Edessa"/><a:font script="Orya" typeface="Kalinga"/><a:font script="Mlym" typeface="Kartika"/><a:font script="Laoo" typeface="DokChampa"/><a:font script="Sinh" typeface="Iskoola Pota"/><a:font script="Mong" typeface="Mongolian Baiti"/><a:font script="Viet" typeface="Times New Roman"/><a:font script="Uigh" typeface="Microsoft Uighur"/></a:majorFont><a:minorFont><a:latin typeface="Calibri"/><a:ea typeface=""/><a:cs typeface=""/><a:font script="Jpan" typeface="-3 0��ï"/><a:font script="Hang" typeface="�@ �"/><a:font script="Hans" typeface="�S"/><a:font script="Hant" typeface="�0�"/><a:font script="Arab" typeface="Arial"/><a:font script="Hebr" typeface="Arial"/><a:font script="Thai" typeface="Cordia New"/><a:font script="Ethi" typeface="Nyala"/><a:font script="Beng" typeface="Vrinda"/><a:font script="Gujr" typeface="Shruti"/><a:font script="Khmr" typeface="DaunPenh"/><a:font script="Knda" typeface="Tunga"/><a:font script="Guru" typeface="Raavi"/><a:font script="Cans" typeface="Euphemia"/><a:font script="Cher" typeface="Plantagenet Cherokee"/><a:font script="Yiii" typeface="Microsoft Yi Baiti"/><a:font script="Tibt" typeface="Microsoft Himalaya"/><a:font script="Thaa" typeface="MV Boli"/><a:font script="Deva" typeface="Mangal"/><a:font script="Telu" typeface="Gautami"/><a:font script="Taml" typeface="Latha"/><a:font script="Syrc" typeface="Estrangelo Edessa"/><a:font script="Orya" typeface="Kalinga"/><a:font script="Mlym" typeface="Kartika"/><a:font script="Laoo" typeface="DokChampa"/><a:font script="Sinh" typeface="Iskoola Pota"/><a:font script="Mong" typeface="Mongolian Baiti"/><a:font script="Viet" typeface="Arial"/><a:font script="Uigh" typeface="Microsoft Uighur"/></a:minorFont></a:fontScheme><a:fmtScheme name="Office"><a:fillStyleLst><a:solidFill><a:schemeClr val="phClr"/></a:solidFill><a:gradFill rotWithShape="1"><a:gsLst><a:gs pos="0"><a:schemeClr val="phClr"><a:tint val="50000"/><a:satMod val="300000"/></a:schemeClr></a:gs><a:gs pos="35000"><a:schemeClr val="phClr"><a:tint val="37000"/><a:satMod val="300000"/></a:schemeClr></a:gs><a:gs pos="100000"><a:schemeClr val="phClr"><a:tint val="15000"/><a:satMod val="350000"/></a:schemeClr></a:gs></a:gsLst><a:lin ang="16200000" scaled="1"/></a:gradFill><a:gradFill rotWithShape="1"><a:gsLst><a:gs pos="0"><a:schemeClr val="phClr"><a:shade val="51000"/><a:satMod val="130000"/></a:schemeClr></a:gs><a:gs pos="80000"><a:schemeClr val="phClr"><a:shade val="93000"/><a:satMod val="130000"/></a:schemeClr></a:gs><a:gs pos="100000"><a:schemeClr val="phClr"><a:shade val="94000"/><a:satMod val="135000"/></a:schemeClr></a:gs></a:gsLst><a:lin ang="16200000" scaled="0"/></a:gradFill></a:fillStyleLst><a:lnStyleLst><a:ln w="9525" cap="flat" cmpd="sng" algn="ctr"><a:solidFill><a:schemeClr val="phClr"><a:shade val="95000"/><a:satMod val="105000"/></a:schemeClr></a:solidFill><a:prstDash val="solid"/></a:ln><a:ln w="25400" cap="flat" cmpd="sng" algn="ctr"><a:solidFill><a:schemeClr val="phClr"/></a:solidFill><a:prstDash val="solid"/></a:ln><a:ln w="38100" cap="flat" cmpd="sng" algn="ctr"><a:solidFill><a:schemeClr val="phClr"/></a:solidFill><a:prstDash val="solid"/></a:ln></a:lnStyleLst><a:effectStyleLst><a:effectStyle><a:effectLst><a:outerShdw blurRad="40000" dist="20000" dir="5400000" rotWithShape="0"><a:srgbClr val="000000"><a:alpha val="38000"/></a:srgbClr></a:outerShdw></a:effectLst></a:effectStyle><a:effectStyle><a:effectLst><a:outerShdw blurRad="40000" dist="23000" dir="5400000" rotWithShape="0"><a:srgbClr val="000000"><a:alpha val="35000"/></a:srgbClr></a:outerShdw></a:effectLst></a:effectStyle><a:effectStyle><a:effectLst><a:outerShdw blurRad="40000" dist="23000" dir="5400000" rotWithShape="0"><a:srgbClr val="000000"><a:alpha val="35000"/></a:srgbClr></a:outerShdw></a:effectLst><a:scene3d><a:camera prst="orthographicFront"><a:rot lat="0" lon="0" rev="0"/></a:camera><a:lightRig rig="threePt" dir="t"><a:rot lat="0" lon="0" rev="1200000"/></a:lightRig></a:scene3d><a:sp3d><a:bevelT w="63500" h="25400"/></a:sp3d></a:effectStyle></a:effectStyleLst><a:bgFillStyleLst><a:solidFill><a:schemeClr val="phClr"/></a:solidFill><a:gradFill rotWithShape="1"><a:gsLst><a:gs pos="0"><a:schemeClr val="phClr"><a:tint val="40000"/><a:satMod val="350000"/></a:schemeClr></a:gs><a:gs pos="40000"><a:schemeClr val="phClr"><a:tint val="45000"/><a:shade val="99000"/><a:satMod val="350000"/></a:schemeClr></a:gs><a:gs pos="100000"><a:schemeClr val="phClr"><a:shade val="20000"/><a:satMod val="255000"/></a:schemeClr></a:gs></a:gsLst><a:path path="circle"><a:fillToRect l="50000" t="-80000" r="50000" b="180000"/></a:path></a:gradFill><a:gradFill rotWithShape="1"><a:gsLst><a:gs pos="0"><a:schemeClr val="phClr"><a:tint val="80000"/><a:satMod val="300000"/></a:schemeClr></a:gs><a:gs pos="100000"><a:schemeClr val="phClr"><a:shade val="30000"/><a:satMod val="200000"/></a:schemeClr></a:gs></a:gsLst><a:path path="circle"><a:fillToRect l="50000" t="50000" r="50000" b="50000"/></a:path></a:gradFill></a:bgFillStyleLst></a:fmtScheme></a:themeElements><a:objectDefaults/><a:extraClrSchemeLst/></a:theme>
+<file path=ppt/theme/theme1.xml><?xml version="1.0" encoding="utf-8"?>
+<a:theme xmlns:a="http://schemas.openxmlformats.org/drawingml/2006/main" name="Office Theme">
+  <a:themeElements>
+    <a:clrScheme name="Office">
+      <a:dk1>
+        <a:sysClr val="windowText" lastClr="000000"/>
+      </a:dk1>
+      <a:lt1>
+        <a:sysClr val="window" lastClr="FFFFFF"/>
+      </a:lt1>
+      <a:dk2>
+        <a:srgbClr val="1F497D"/>
+      </a:dk2>
+      <a:lt2>
+        <a:srgbClr val="EEECE1"/>
+      </a:lt2>
+      <a:accent1>
+        <a:srgbClr val="4F81BD"/>
+      </a:accent1>
+      <a:accent2>
+        <a:srgbClr val="C0504D"/>
+      </a:accent2>
+      <a:accent3>
+        <a:srgbClr val="9BBB59"/>
+      </a:accent3>
+      <a:accent4>
+        <a:srgbClr val="8064A2"/>
+      </a:accent4>
+      <a:accent5>
+        <a:srgbClr val="4BACC6"/>
+      </a:accent5>
+      <a:accent6>
+        <a:srgbClr val="F79646"/>
+      </a:accent6>
+      <a:hlink>
+        <a:srgbClr val="0000FF"/>
+      </a:hlink>
+      <a:folHlink>
+        <a:srgbClr val="800080"/>
+      </a:folHlink>
+    </a:clrScheme>
+    <a:fontScheme name="Office">
+      <a:majorFont>
+        <a:latin typeface="Calibri"/>
+        <a:ea typeface=""/>
+        <a:cs typeface=""/>
+        <a:font script="Jpan" typeface="ＭＳ Ｐゴシック"/>
+        <a:font script="Hang" typeface="맑은 고딕"/>
+        <a:font script="Hans" typeface="宋体"/>
+        <a:font script="Hant" typeface="新細明體"/>
+        <a:font script="Arab" typeface="Times New Roman"/>
+        <a:font script="Hebr" typeface="Times New Roman"/>
+        <a:font script="Thai" typeface="Angsana New"/>
+        <a:font script="Ethi" typeface="Nyala"/>
+        <a:font script="Beng" typeface="Vrinda"/>
+        <a:font script="Gujr" typeface="Shruti"/>
+        <a:font script="Khmr" typeface="MoolBoran"/>
+        <a:font script="Knda" typeface="Tunga"/>
+        <a:font script="Guru" typeface="Raavi"/>
+        <a:font script="Cans" typeface="Euphemia"/>
+        <a:font script="Cher" typeface="Plantagenet Cherokee"/>
+        <a:font script="Yiii" typeface="Microsoft Yi Baiti"/>
+        <a:font script="Tibt" typeface="Microsoft Himalaya"/>
+        <a:font script="Thaa" typeface="MV Boli"/>
+        <a:font script="Deva" typeface="Mangal"/>
+        <a:font script="Telu" typeface="Gautami"/>
+        <a:font script="Taml" typeface="Latha"/>
+        <a:font script="Syrc" typeface="Estrangelo Edessa"/>
+        <a:font script="Orya" typeface="Kalinga"/>
+        <a:font script="Mlym" typeface="Kartika"/>
+        <a:font script="Laoo" typeface="DokChampa"/>
+        <a:font script="Sinh" typeface="Iskoola Pota"/>
+        <a:font script="Mong" typeface="Mongolian Baiti"/>
+        <a:font script="Viet" typeface="Times New Roman"/>
+        <a:font script="Uigh" typeface="Microsoft Uighur"/>
+      </a:majorFont>
+      <a:minorFont>
+        <a:latin typeface="Calibri"/>
+        <a:ea typeface=""/>
+        <a:cs typeface=""/>
+        <a:font script="Jpan" typeface="ＭＳ Ｐゴシック"/>
+        <a:font script="Hang" typeface="맑은 고딕"/>
+        <a:font script="Hans" typeface="宋体"/>
+        <a:font script="Hant" typeface="新細明體"/>
+        <a:font script="Arab" typeface="Arial"/>
+        <a:font script="Hebr" typeface="Arial"/>
+        <a:font script="Thai" typeface="Cordia New"/>
+        <a:font script="Ethi" typeface="Nyala"/>
+        <a:font script="Beng" typeface="Vrinda"/>
+        <a:font script="Gujr" typeface="Shruti"/>
+        <a:font script="Khmr" typeface="DaunPenh"/>
+        <a:font script="Knda" typeface="Tunga"/>
+        <a:font script="Guru" typeface="Raavi"/>
+        <a:font script="Cans" typeface="Euphemia"/>
+        <a:font script="Cher" typeface="Plantagenet Cherokee"/>
+        <a:font script="Yiii" typeface="Microsoft Yi Baiti"/>
+        <a:font script="Tibt" typeface="Microsoft Himalaya"/>
+        <a:font script="Thaa" typeface="MV Boli"/>
+        <a:font script="Deva" typeface="Mangal"/>
+        <a:font script="Telu" typeface="Gautami"/>
+        <a:font script="Taml" typeface="Latha"/>
+        <a:font script="Syrc" typeface="Estrangelo Edessa"/>
+        <a:font script="Orya" typeface="Kalinga"/>
+        <a:font script="Mlym" typeface="Kartika"/>
+        <a:font script="Laoo" typeface="DokChampa"/>
+        <a:font script="Sinh" typeface="Iskoola Pota"/>
+        <a:font script="Mong" typeface="Mongolian Baiti"/>
+        <a:font script="Viet" typeface="Arial"/>
+        <a:font script="Uigh" typeface="Microsoft Uighur"/>
+      </a:minorFont>
+    </a:fontScheme>
+    <a:fmtScheme name="Office">
+      <a:fillStyleLst>
+        <a:solidFill>
+          <a:schemeClr val="phClr"/>
+        </a:solidFill>
+        <a:gradFill rotWithShape="1">
+          <a:gsLst>
+            <a:gs pos="0">
+              <a:schemeClr val="phClr">
+                <a:tint val="50000"/>
+                <a:satMod val="300000"/>
+              </a:schemeClr>
+            </a:gs>
+            <a:gs pos="35000">
+              <a:schemeClr val="phClr">
+                <a:tint val="37000"/>
+                <a:satMod val="300000"/>
+              </a:schemeClr>
+            </a:gs>
+            <a:gs pos="100000">
+              <a:schemeClr val="phClr">
+                <a:tint val="15000"/>
+                <a:satMod val="350000"/>
+              </a:schemeClr>
+            </a:gs>
+          </a:gsLst>
+          <a:lin ang="16200000" scaled="1"/>
+        </a:gradFill>
+        <a:gradFill rotWithShape="1">
+          <a:gsLst>
+            <a:gs pos="0">
+              <a:schemeClr val="phClr">
+                <a:shade val="51000"/>
+                <a:satMod val="130000"/>
+              </a:schemeClr>
+            </a:gs>
+            <a:gs pos="80000">
+              <a:schemeClr val="phClr">
+                <a:shade val="93000"/>
+                <a:satMod val="130000"/>
+              </a:schemeClr>
+            </a:gs>
+            <a:gs pos="100000">
+              <a:schemeClr val="phClr">
+                <a:shade val="94000"/>
+                <a:satMod val="135000"/>
+              </a:schemeClr>
+            </a:gs>
+          </a:gsLst>
+          <a:lin ang="16200000" scaled="0"/>
+        </a:gradFill>
+      </a:fillStyleLst>
+      <a:lnStyleLst>
+        <a:ln w="9525" cap="flat" cmpd="sng" algn="ctr">
+          <a:solidFill>
+            <a:schemeClr val="phClr">
+              <a:shade val="95000"/>
+              <a:satMod val="105000"/>
+            </a:schemeClr>
+          </a:solidFill>
+          <a:prstDash val="solid"/>
+        </a:ln>
+        <a:ln w="25400" cap="flat" cmpd="sng" algn="ctr">
+          <a:solidFill>
+            <a:schemeClr val="phClr"/>
+          </a:solidFill>
+          <a:prstDash val="solid"/>
+        </a:ln>
+        <a:ln w="38100" cap="flat" cmpd="sng" algn="ctr">
+          <a:solidFill>
+            <a:schemeClr val="phClr"/>
+          </a:solidFill>
+          <a:prstDash val="solid"/>
+        </a:ln>
+      </a:lnStyleLst>
+      <a:effectStyleLst>
+        <a:effectStyle>
+          <a:effectLst>
+            <a:outerShdw blurRad="40000" dist="20000" dir="5400000" rotWithShape="0">
+              <a:srgbClr val="000000">
+                <a:alpha val="38000"/>
+              </a:srgbClr>
+            </a:outerShdw>
+          </a:effectLst>
+        </a:effectStyle>
+        <a:effectStyle>
+          <a:effectLst>
+            <a:outerShdw blurRad="40000" dist="23000" dir="5400000" rotWithShape="0">
+              <a:srgbClr val="000000">
+                <a:alpha val="35000"/>
+              </a:srgbClr>
+            </a:outerShdw>
+          </a:effectLst>
+        </a:effectStyle>
+        <a:effectStyle>
+          <a:effectLst>
+            <a:outerShdw blurRad="40000" dist="23000" dir="5400000" rotWithShape="0">
+              <a:srgbClr val="000000">
+                <a:alpha val="35000"/>
+              </a:srgbClr>
+            </a:outerShdw>
+          </a:effectLst>
+          <a:scene3d>
+            <a:camera prst="orthographicFront">
+              <a:rot lat="0" lon="0" rev="0"/>
+            </a:camera>
+            <a:lightRig rig="threePt" dir="t">
+              <a:rot lat="0" lon="0" rev="1200000"/>
+            </a:lightRig>
+          </a:scene3d>
+          <a:sp3d>
+            <a:bevelT w="63500" h="25400"/>
+          </a:sp3d>
+        </a:effectStyle>
+      </a:effectStyleLst>
+      <a:bgFillStyleLst>
+        <a:solidFill>
+          <a:schemeClr val="phClr"/>
+        </a:solidFill>
+        <a:gradFill rotWithShape="1">
+          <a:gsLst>
+            <a:gs pos="0">
+              <a:schemeClr val="phClr">
+                <a:tint val="40000"/>
+                <a:satMod val="350000"/>
+              </a:schemeClr>
+            </a:gs>
+            <a:gs pos="40000">
+              <a:schemeClr val="phClr">
+                <a:tint val="45000"/>
+                <a:shade val="99000"/>
+                <a:satMod val="350000"/>
+              </a:schemeClr>
+            </a:gs>
+            <a:gs pos="100000">
+              <a:schemeClr val="phClr">
+                <a:shade val="20000"/>
+                <a:satMod val="255000"/>
+              </a:schemeClr>
+            </a:gs>
+          </a:gsLst>
+          <a:path path="circle">
+            <a:fillToRect l="50000" t="-80000" r="50000" b="180000"/>
+          </a:path>
+        </a:gradFill>
+        <a:gradFill rotWithShape="1">
+          <a:gsLst>
+            <a:gs pos="0">
+              <a:schemeClr val="phClr">
+                <a:tint val="80000"/>
+                <a:satMod val="300000"/>
+              </a:schemeClr>
+            </a:gs>
+            <a:gs pos="100000">
+              <a:schemeClr val="phClr">
+                <a:shade val="30000"/>
+                <a:satMod val="200000"/>
+              </a:schemeClr>
+            </a:gs>
+          </a:gsLst>
+          <a:path path="circle">
+            <a:fillToRect l="50000" t="50000" r="50000" b="50000"/>
+          </a:path>
+        </a:gradFill>
+      </a:bgFillStyleLst>
+    </a:fmtScheme>
+  </a:themeElements>
+  <a:objectDefaults/>
+  <a:extraClrSchemeLst/>
+</a:theme>
 </file>
--- a/samples/pptx/sample.pptx
+++ b/samples/pptx/sample.pptx
@@ -6,6 +6,15 @@
   </p:sldMasterIdLst>
   <p:sldIdLst>
     <p:sldId id="256" r:id="rId6"/>
+    <p:sldId id="257" r:id="rId7"/>
+    <p:sldId id="258" r:id="rId8"/>
+    <p:sldId id="259" r:id="rId9"/>
+    <p:sldId id="260" r:id="rId10"/>
+    <p:sldId id="261" r:id="rId11"/>
+    <p:sldId id="262" r:id="rId12"/>
+    <p:sldId id="263" r:id="rId13"/>
+    <p:sldId id="264" r:id="rId14"/>
+    <p:sldId id="265" r:id="rId15"/>
   </p:sldIdLst>
   <p:sldSz cx="9144000" cy="6858000" type="screen4x3"/>
   <p:notesSz cx="6858000" cy="9144000"/>
@@ -3082,6 +3091,82 @@
             <a:spLocks noGrp="1"/>
           </p:cNvSpPr>
           <p:nvPr>
+            <p:ph type="ctrTitle"/>
+          </p:nvPr>
+        </p:nvSpPr>
+        <p:spPr/>
+        <p:txBody>
+          <a:bodyPr/>
+          <a:lstStyle/>
+          <a:p>
+            <a:r>
+              <a:rPr dirty="0" lang="en-US" smtClean="0"/>
+              <a:t>Bicycle Of the Mind</a:t>
+            </a:r>
+            <a:endParaRPr dirty="0" lang="en-US"/>
+          </a:p>
+        </p:txBody>
+      </p:sp>
+      <p:sp>
+        <p:nvSpPr>
+          <p:cNvPr id="3" name="Subtitle 2"/>
+          <p:cNvSpPr>
+            <a:spLocks noGrp="1"/>
+          </p:cNvSpPr>
+          <p:nvPr>
+            <p:ph idx="1" type="subTitle"/>
+          </p:nvPr>
+        </p:nvSpPr>
+        <p:spPr/>
+        <p:txBody>
+          <a:bodyPr/>
+          <a:lstStyle/>
+          <a:p>
+            <a:r>
+              <a:rPr lang="en-US" smtClean="0"/>
+              <a:t>created by Steve Jobs</a:t>
+            </a:r>
+            <a:endParaRPr lang="en-US"/>
+          </a:p>
+        </p:txBody>
+      </p:sp>
+    </p:spTree>
+    <p:extLst>
+      <p:ext uri="{BB962C8B-B14F-4D97-AF65-F5344CB8AC3E}">
+        <p14:creationId xmlns:p14="http://schemas.microsoft.com/office/powerpoint/2010/main" val="1633108117"/>
+      </p:ext>
+    </p:extLst>
+  </p:cSld>
+  <p:clrMapOvr>
+    <a:masterClrMapping/>
+  </p:clrMapOvr>
+</p:sld>
+</file>
+
+<file path=ppt/slides/slide10.xml><?xml version="1.0" encoding="utf-8"?>
+<p:sld xmlns:a="http://schemas.openxmlformats.org/drawingml/2006/main" xmlns:p="http://schemas.openxmlformats.org/presentationml/2006/main" xmlns:r="http://schemas.openxmlformats.org/officeDocument/2006/relationships">
+  <p:cSld>
+    <p:spTree>
+      <p:nvGrpSpPr>
+        <p:cNvPr id="1" name=""/>
+        <p:cNvGrpSpPr/>
+        <p:nvPr/>
+      </p:nvGrpSpPr>
+      <p:grpSpPr>
+        <a:xfrm>
+          <a:off x="0" y="0"/>
+          <a:ext cx="0" cy="0"/>
+          <a:chOff x="0" y="0"/>
+          <a:chExt cx="0" cy="0"/>
+        </a:xfrm>
+      </p:grpSpPr>
+      <p:sp>
+        <p:nvSpPr>
+          <p:cNvPr id="2" name="Title 1"/>
+          <p:cNvSpPr>
+            <a:spLocks noGrp="1"/>
+          </p:cNvSpPr>
+          <p:nvPr>
             <p:ph type="title"/>
           </p:nvPr>
         </p:nvSpPr>
@@ -3092,7 +3177,7 @@
           <a:p>
             <a:r>
               <a:rPr dirty="0" lang="en-US" smtClean="0"/>
-              <a:t>Test Header</a:t>
+              <a:t>Why Android?</a:t>
             </a:r>
             <a:endParaRPr dirty="0" lang="en-US"/>
           </a:p>
@@ -3115,13 +3200,13 @@
           <a:p>
             <a:r>
               <a:rPr dirty="0" lang="en-US" smtClean="0"/>
-              <a:t>Test 1</a:t>
+              <a:t>Its great!</a:t>
             </a:r>
           </a:p>
           <a:p>
             <a:r>
               <a:rPr dirty="0" lang="en-US" smtClean="0"/>
-              <a:t>Test 2</a:t>
+              <a:t>Its sweet!</a:t>
             </a:r>
             <a:endParaRPr lang="en-US"/>
           </a:p>
@@ -3131,6 +3216,761 @@
     <p:extLst>
       <p:ext uri="{BB962C8B-B14F-4D97-AF65-F5344CB8AC3E}">
         <p14:creationId xmlns:p14="http://schemas.microsoft.com/office/powerpoint/2010/main" val="1231192379"/>
+      </p:ext>
+    </p:extLst>
+  </p:cSld>
+  <p:clrMapOvr>
+    <a:masterClrMapping/>
+  </p:clrMapOvr>
+</p:sld>
+</file>
+
+<file path=ppt/slides/slide2.xml><?xml version="1.0" encoding="utf-8"?>
+<p:sld xmlns:a="http://schemas.openxmlformats.org/drawingml/2006/main" xmlns:p="http://schemas.openxmlformats.org/presentationml/2006/main" xmlns:r="http://schemas.openxmlformats.org/officeDocument/2006/relationships">
+  <p:cSld>
+    <p:spTree>
+      <p:nvGrpSpPr>
+        <p:cNvPr id="1" name=""/>
+        <p:cNvGrpSpPr/>
+        <p:nvPr/>
+      </p:nvGrpSpPr>
+      <p:grpSpPr>
+        <a:xfrm>
+          <a:off x="0" y="0"/>
+          <a:ext cx="0" cy="0"/>
+          <a:chOff x="0" y="0"/>
+          <a:chExt cx="0" cy="0"/>
+        </a:xfrm>
+      </p:grpSpPr>
+      <p:sp>
+        <p:nvSpPr>
+          <p:cNvPr id="2" name="Title 1"/>
+          <p:cNvSpPr>
+            <a:spLocks noGrp="1"/>
+          </p:cNvSpPr>
+          <p:nvPr>
+            <p:ph type="title"/>
+          </p:nvPr>
+        </p:nvSpPr>
+        <p:spPr/>
+        <p:txBody>
+          <a:bodyPr/>
+          <a:lstStyle/>
+          <a:p>
+            <a:r>
+              <a:rPr dirty="0" lang="en-US" smtClean="0"/>
+              <a:t>Why Mac?</a:t>
+            </a:r>
+            <a:endParaRPr dirty="0" lang="en-US"/>
+          </a:p>
+        </p:txBody>
+      </p:sp>
+      <p:sp>
+        <p:nvSpPr>
+          <p:cNvPr id="3" name="Content Placeholder 2"/>
+          <p:cNvSpPr>
+            <a:spLocks noGrp="1"/>
+          </p:cNvSpPr>
+          <p:nvPr>
+            <p:ph idx="1"/>
+          </p:nvPr>
+        </p:nvSpPr>
+        <p:spPr/>
+        <p:txBody>
+          <a:bodyPr/>
+          <a:lstStyle/>
+          <a:p>
+            <a:r>
+              <a:rPr dirty="0" lang="en-US" smtClean="0"/>
+              <a:t>Its cool!</a:t>
+            </a:r>
+          </a:p>
+          <a:p>
+            <a:r>
+              <a:rPr dirty="0" lang="en-US" smtClean="0"/>
+              <a:t>Its light!</a:t>
+            </a:r>
+            <a:endParaRPr lang="en-US"/>
+          </a:p>
+        </p:txBody>
+      </p:sp>
+    </p:spTree>
+    <p:extLst>
+      <p:ext uri="{BB962C8B-B14F-4D97-AF65-F5344CB8AC3E}">
+        <p14:creationId xmlns:p14="http://schemas.microsoft.com/office/powerpoint/2010/main" val="1231192379"/>
+      </p:ext>
+    </p:extLst>
+  </p:cSld>
+  <p:clrMapOvr>
+    <a:masterClrMapping/>
+  </p:clrMapOvr>
+</p:sld>
+</file>
+
+<file path=ppt/slides/slide3.xml><?xml version="1.0" encoding="utf-8"?>
+<p:sld xmlns:a="http://schemas.openxmlformats.org/drawingml/2006/main" xmlns:p="http://schemas.openxmlformats.org/presentationml/2006/main" xmlns:r="http://schemas.openxmlformats.org/officeDocument/2006/relationships">
+  <p:cSld>
+    <p:spTree>
+      <p:nvGrpSpPr>
+        <p:cNvPr id="1" name=""/>
+        <p:cNvGrpSpPr/>
+        <p:nvPr/>
+      </p:nvGrpSpPr>
+      <p:grpSpPr>
+        <a:xfrm>
+          <a:off x="0" y="0"/>
+          <a:ext cx="0" cy="0"/>
+          <a:chOff x="0" y="0"/>
+          <a:chExt cx="0" cy="0"/>
+        </a:xfrm>
+      </p:grpSpPr>
+      <p:sp>
+        <p:nvSpPr>
+          <p:cNvPr id="2" name="Title 1"/>
+          <p:cNvSpPr>
+            <a:spLocks noGrp="1"/>
+          </p:cNvSpPr>
+          <p:nvPr>
+            <p:ph type="title"/>
+          </p:nvPr>
+        </p:nvSpPr>
+        <p:spPr/>
+        <p:txBody>
+          <a:bodyPr/>
+          <a:lstStyle/>
+          <a:p>
+            <a:r>
+              <a:rPr dirty="0" lang="en-US" smtClean="0"/>
+              <a:t>Why Iphone?</a:t>
+            </a:r>
+            <a:endParaRPr dirty="0" lang="en-US"/>
+          </a:p>
+        </p:txBody>
+      </p:sp>
+      <p:sp>
+        <p:nvSpPr>
+          <p:cNvPr id="3" name="Content Placeholder 2"/>
+          <p:cNvSpPr>
+            <a:spLocks noGrp="1"/>
+          </p:cNvSpPr>
+          <p:nvPr>
+            <p:ph idx="1"/>
+          </p:nvPr>
+        </p:nvSpPr>
+        <p:spPr/>
+        <p:txBody>
+          <a:bodyPr/>
+          <a:lstStyle/>
+          <a:p>
+            <a:r>
+              <a:rPr dirty="0" lang="en-US" smtClean="0"/>
+              <a:t>Its fast!</a:t>
+            </a:r>
+          </a:p>
+          <a:p>
+            <a:r>
+              <a:rPr dirty="0" lang="en-US" smtClean="0"/>
+              <a:t>Its cheap!</a:t>
+            </a:r>
+            <a:endParaRPr lang="en-US"/>
+          </a:p>
+        </p:txBody>
+      </p:sp>
+    </p:spTree>
+    <p:extLst>
+      <p:ext uri="{BB962C8B-B14F-4D97-AF65-F5344CB8AC3E}">
+        <p14:creationId xmlns:p14="http://schemas.microsoft.com/office/powerpoint/2010/main" val="1231192379"/>
+      </p:ext>
+    </p:extLst>
+  </p:cSld>
+  <p:clrMapOvr>
+    <a:masterClrMapping/>
+  </p:clrMapOvr>
+</p:sld>
+</file>
+
+<file path=ppt/slides/slide4.xml><?xml version="1.0" encoding="utf-8"?>
+<p:sld xmlns:a="http://schemas.openxmlformats.org/drawingml/2006/main" xmlns:p="http://schemas.openxmlformats.org/presentationml/2006/main" xmlns:r="http://schemas.openxmlformats.org/officeDocument/2006/relationships">
+  <p:cSld>
+    <p:spTree>
+      <p:nvGrpSpPr>
+        <p:cNvPr id="1" name=""/>
+        <p:cNvGrpSpPr/>
+        <p:nvPr/>
+      </p:nvGrpSpPr>
+      <p:grpSpPr>
+        <a:xfrm>
+          <a:off x="0" y="0"/>
+          <a:ext cx="0" cy="0"/>
+          <a:chOff x="0" y="0"/>
+          <a:chExt cx="0" cy="0"/>
+        </a:xfrm>
+      </p:grpSpPr>
+      <p:sp>
+        <p:nvSpPr>
+          <p:cNvPr id="2" name="Title 1"/>
+          <p:cNvSpPr>
+            <a:spLocks noGrp="1"/>
+          </p:cNvSpPr>
+          <p:nvPr>
+            <p:ph type="title"/>
+          </p:nvPr>
+        </p:nvSpPr>
+        <p:spPr/>
+        <p:txBody>
+          <a:bodyPr/>
+          <a:lstStyle/>
+          <a:p>
+            <a:r>
+              <a:rPr dirty="0" lang="en-US" smtClean="0"/>
+              <a:t>JPG Logo</a:t>
+            </a:r>
+            <a:endParaRPr dirty="0" lang="en-US"/>
+          </a:p>
+        </p:txBody>
+      </p:sp>
+      <p:pic>
+        <p:nvPicPr>
+          <p:cNvPr id="4" name="Content Placeholder 3"/>
+          <p:cNvPicPr>
+            <a:picLocks noChangeAspect="1" noGrp="1"/>
+          </p:cNvPicPr>
+          <p:nvPr>
+            <p:ph idx="1"/>
+          </p:nvPr>
+        </p:nvPicPr>
+        <p:blipFill>
+          <a:blip r:embed="rId2">
+            <a:extLst>
+              <a:ext uri="{28A0092B-C50C-407E-A947-70E740481C1C}">
+                <a14:useLocalDpi xmlns:a14="http://schemas.microsoft.com/office/drawing/2010/main" val="0"/>
+              </a:ext>
+            </a:extLst>
+          </a:blip>
+          <a:stretch>
+            <a:fillRect/>
+          </a:stretch>
+        </p:blipFill>
+        <p:spPr>
+          <a:xfrm>
+            <a:off x="2794000.0" y="1524000.0"/>
+            <a:ext cx="3556000.0" cy="2667000"/>
+          </a:xfrm>
+          <a:prstGeom prst="rect">
+            <a:avLst/>
+          </a:prstGeom>
+        </p:spPr>
+      </p:pic>
+    </p:spTree>
+    <p:extLst>
+      <p:ext uri="{BB962C8B-B14F-4D97-AF65-F5344CB8AC3E}">
+        <p14:creationId xmlns:p14="http://schemas.microsoft.com/office/powerpoint/2010/main" val="1474098577"/>
+      </p:ext>
+    </p:extLst>
+  </p:cSld>
+  <p:clrMapOvr>
+    <a:masterClrMapping/>
+  </p:clrMapOvr>
+</p:sld>
+</file>
+
+<file path=ppt/slides/slide5.xml><?xml version="1.0" encoding="utf-8"?>
+<p:sld xmlns:a="http://schemas.openxmlformats.org/drawingml/2006/main" xmlns:r="http://schemas.openxmlformats.org/officeDocument/2006/relationships" xmlns:p="http://schemas.openxmlformats.org/presentationml/2006/main">
+  <p:cSld>
+    <p:spTree>
+      <p:nvGrpSpPr>
+        <p:cNvPr id="1" name=""/>
+        <p:cNvGrpSpPr/>
+        <p:nvPr/>
+      </p:nvGrpSpPr>
+      <p:grpSpPr>
+        <a:xfrm>
+          <a:off x="0" y="0"/>
+          <a:ext cx="0" cy="0"/>
+          <a:chOff x="0" y="0"/>
+          <a:chExt cx="0" cy="0"/>
+        </a:xfrm>
+      </p:grpSpPr>
+      <p:sp>
+        <p:nvSpPr>
+          <p:cNvPr id="2" name="Title 1"/>
+          <p:cNvSpPr>
+            <a:spLocks noGrp="1"/>
+          </p:cNvSpPr>
+          <p:nvPr>
+            <p:ph type="title"/>
+          </p:nvPr>
+        </p:nvSpPr>
+        <p:spPr/>
+        <p:txBody>
+          <a:bodyPr/>
+          <a:lstStyle/>
+          <a:p>
+            <a:r>
+              <a:rPr lang="en-US" dirty="0" smtClean="0"/>
+              <a:t>Text Pic Split</a:t>
+            </a:r>
+            <a:endParaRPr lang="en-US" dirty="0"/>
+          </a:p>
+        </p:txBody>
+      </p:sp>
+      <p:sp>
+        <p:nvSpPr>
+          <p:cNvPr id="3" name="Content Placeholder 2"/>
+          <p:cNvSpPr>
+            <a:spLocks noGrp="1"/>
+          </p:cNvSpPr>
+          <p:nvPr>
+            <p:ph sz="half" idx="1"/>
+          </p:nvPr>
+        </p:nvSpPr>
+        <p:spPr/>
+        <p:txBody>
+          <a:bodyPr/>
+          <a:lstStyle/>
+          <a:p>
+            <a:r>
+              <a:rPr lang="en-US" dirty="0" smtClean="0"/>
+              <a:t>Here is a string</a:t>
+            </a:r>
+          </a:p>
+          <a:p>
+            <a:r>
+              <a:rPr lang="en-US" dirty="0" smtClean="0"/>
+              <a:t>here is another</a:t>
+            </a:r>
+            <a:endParaRPr lang="en-US"/>
+          </a:p>
+        </p:txBody>
+      </p:sp>
+      <p:pic>
+        <p:nvPicPr>
+          <p:cNvPr id="4" name="Content Placeholder 3"/>
+          <p:cNvPicPr>
+            <a:picLocks noGrp="1" noChangeAspect="1"/>
+          </p:cNvPicPr>
+          <p:nvPr>
+            <p:ph sz="half" idx="2"/>
+          </p:nvPr>
+        </p:nvPicPr>
+        <p:blipFill>
+          <a:blip r:embed="rId2">
+            <a:extLst>
+              <a:ext uri="{28A0092B-C50C-407E-A947-70E740481C1C}">
+                <a14:useLocalDpi xmlns:a14="http://schemas.microsoft.com/office/drawing/2010/main" val="0"/>
+              </a:ext>
+            </a:extLst>
+          </a:blip>
+          <a:stretch>
+            <a:fillRect/>
+          </a:stretch>
+        </p:blipFill>
+        <p:spPr>
+          <a:xfrm>
+            <a:off x="4572000.0" y="1524000.0"/>
+            <a:ext cx="3556000.0" cy="2667000"/>
+          </a:xfrm>
+          <a:prstGeom prst="rect">
+            <a:avLst/>
+          </a:prstGeom>
+        </p:spPr>
+      </p:pic>
+    </p:spTree>
+    <p:extLst>
+      <p:ext uri="{BB962C8B-B14F-4D97-AF65-F5344CB8AC3E}">
+        <p14:creationId xmlns:p14="http://schemas.microsoft.com/office/powerpoint/2010/main" val="1435759726"/>
+      </p:ext>
+    </p:extLst>
+  </p:cSld>
+  <p:clrMapOvr>
+    <a:masterClrMapping/>
+  </p:clrMapOvr>
+</p:sld>
+</file>
+
+<file path=ppt/slides/slide6.xml><?xml version="1.0" encoding="utf-8"?>
+<p:sld xmlns:a="http://schemas.openxmlformats.org/drawingml/2006/main" xmlns:p="http://schemas.openxmlformats.org/presentationml/2006/main" xmlns:r="http://schemas.openxmlformats.org/officeDocument/2006/relationships">
+  <p:cSld>
+    <p:spTree>
+      <p:nvGrpSpPr>
+        <p:cNvPr id="1" name=""/>
+        <p:cNvGrpSpPr/>
+        <p:nvPr/>
+      </p:nvGrpSpPr>
+      <p:grpSpPr>
+        <a:xfrm>
+          <a:off x="0" y="0"/>
+          <a:ext cx="0" cy="0"/>
+          <a:chOff x="0" y="0"/>
+          <a:chExt cx="0" cy="0"/>
+        </a:xfrm>
+      </p:grpSpPr>
+      <p:sp>
+        <p:nvSpPr>
+          <p:cNvPr id="2" name="Title 1"/>
+          <p:cNvSpPr>
+            <a:spLocks noGrp="1"/>
+          </p:cNvSpPr>
+          <p:nvPr>
+            <p:ph type="title"/>
+          </p:nvPr>
+        </p:nvSpPr>
+        <p:spPr/>
+        <p:txBody>
+          <a:bodyPr/>
+          <a:lstStyle/>
+          <a:p>
+            <a:r>
+              <a:rPr dirty="0" lang="en-US" smtClean="0"/>
+              <a:t>PNG Logo</a:t>
+            </a:r>
+            <a:endParaRPr dirty="0" lang="en-US"/>
+          </a:p>
+        </p:txBody>
+      </p:sp>
+      <p:pic>
+        <p:nvPicPr>
+          <p:cNvPr id="4" name="Content Placeholder 3"/>
+          <p:cNvPicPr>
+            <a:picLocks noChangeAspect="1" noGrp="1"/>
+          </p:cNvPicPr>
+          <p:nvPr>
+            <p:ph idx="1"/>
+          </p:nvPr>
+        </p:nvPicPr>
+        <p:blipFill>
+          <a:blip r:embed="rId2">
+            <a:extLst>
+              <a:ext uri="{28A0092B-C50C-407E-A947-70E740481C1C}">
+                <a14:useLocalDpi xmlns:a14="http://schemas.microsoft.com/office/drawing/2010/main" val="0"/>
+              </a:ext>
+            </a:extLst>
+          </a:blip>
+          <a:stretch>
+            <a:fillRect/>
+          </a:stretch>
+        </p:blipFill>
+        <p:spPr>
+          <a:xfrm>
+            <a:off x="2794000.0" y="1524000.0"/>
+            <a:ext cx="3556000.0" cy="2667000"/>
+          </a:xfrm>
+          <a:prstGeom prst="rect">
+            <a:avLst/>
+          </a:prstGeom>
+        </p:spPr>
+      </p:pic>
+    </p:spTree>
+    <p:extLst>
+      <p:ext uri="{BB962C8B-B14F-4D97-AF65-F5344CB8AC3E}">
+        <p14:creationId xmlns:p14="http://schemas.microsoft.com/office/powerpoint/2010/main" val="1474098577"/>
+      </p:ext>
+    </p:extLst>
+  </p:cSld>
+  <p:clrMapOvr>
+    <a:masterClrMapping/>
+  </p:clrMapOvr>
+</p:sld>
+</file>
+
+<file path=ppt/slides/slide7.xml><?xml version="1.0" encoding="utf-8"?>
+<p:sld xmlns:a="http://schemas.openxmlformats.org/drawingml/2006/main" xmlns:r="http://schemas.openxmlformats.org/officeDocument/2006/relationships" xmlns:p="http://schemas.openxmlformats.org/presentationml/2006/main">
+  <p:cSld>
+    <p:spTree>
+      <p:nvGrpSpPr>
+        <p:cNvPr id="1" name=""/>
+        <p:cNvGrpSpPr/>
+        <p:nvPr/>
+      </p:nvGrpSpPr>
+      <p:grpSpPr>
+        <a:xfrm>
+          <a:off x="0" y="0"/>
+          <a:ext cx="0" cy="0"/>
+          <a:chOff x="0" y="0"/>
+          <a:chExt cx="0" cy="0"/>
+        </a:xfrm>
+      </p:grpSpPr>
+      <p:sp>
+        <p:nvSpPr>
+          <p:cNvPr id="2" name="Title 1"/>
+          <p:cNvSpPr>
+            <a:spLocks noGrp="1"/>
+          </p:cNvSpPr>
+          <p:nvPr>
+            <p:ph type="title"/>
+          </p:nvPr>
+        </p:nvSpPr>
+        <p:spPr/>
+        <p:txBody>
+          <a:bodyPr/>
+          <a:lstStyle/>
+          <a:p>
+            <a:r>
+              <a:rPr lang="en-US" dirty="0" smtClean="0"/>
+              <a:t>Pic Desc</a:t>
+            </a:r>
+            <a:endParaRPr lang="en-US" dirty="0"/>
+          </a:p>
+        </p:txBody>
+      </p:sp>
+      <p:pic>
+        <p:nvPicPr>
+          <p:cNvPr id="5" name="Picture Placeholder 4"/>
+          <p:cNvPicPr>
+            <a:picLocks noGrp="1" noChangeAspect="1"/>
+          </p:cNvPicPr>
+          <p:nvPr>
+            <p:ph type="pic" idx="1"/>
+          </p:nvPr>
+        </p:nvPicPr>
+        <p:blipFill>
+          <a:blip r:embed="rId2">
+            <a:extLst>
+              <a:ext uri="{28A0092B-C50C-407E-A947-70E740481C1C}">
+                <a14:useLocalDpi xmlns:a14="http://schemas.microsoft.com/office/drawing/2010/main" val="0"/>
+              </a:ext>
+            </a:extLst>
+          </a:blip>
+          <a:stretch>
+            <a:fillRect/>
+          </a:stretch>
+        </p:blipFill>
+        <p:spPr>
+          <a:xfrm>
+            <a:off x="2794000.0" y="762000.0"/>
+            <a:ext cx="3556000" cy="2667000"/>
+          </a:xfrm>
+          <a:prstGeom prst="rect">
+            <a:avLst/>
+          </a:prstGeom>
+        </p:spPr>
+      </p:pic>
+      <p:sp>
+        <p:nvSpPr>
+          <p:cNvPr id="4" name="Text Placeholder 4"/>
+          <p:cNvSpPr>
+            <a:spLocks noGrp="1"/>
+          </p:cNvSpPr>
+          <p:nvPr>
+            <p:ph type="body" sz="half" idx="2"/>
+          </p:nvPr>
+        </p:nvSpPr>
+        <p:spPr/>
+        <p:txBody>
+          <a:bodyPr/>
+          <a:lstStyle/>
+          <a:p>
+            <a:r>
+              <a:rPr lang="en-US" dirty="0" smtClean="0"/>
+              <a:t>Here is a string</a:t>
+            </a:r>
+          </a:p>
+          <a:p>
+            <a:r>
+              <a:rPr lang="en-US" dirty="0" smtClean="0"/>
+              <a:t>here is another</a:t>
+            </a:r>
+            <a:endParaRPr lang="en-US"/>
+          </a:p>
+        </p:txBody>
+      </p:sp>
+    </p:spTree>
+    <p:extLst>
+      <p:ext uri="{BB962C8B-B14F-4D97-AF65-F5344CB8AC3E}">
+        <p14:creationId xmlns:p14="http://schemas.microsoft.com/office/powerpoint/2010/main" val="1435759726"/>
+      </p:ext>
+    </p:extLst>
+  </p:cSld>
+  <p:clrMapOvr>
+    <a:masterClrMapping/>
+  </p:clrMapOvr>
+</p:sld>
+</file>
+
+<file path=ppt/slides/slide8.xml><?xml version="1.0" encoding="utf-8"?>
+<p:sld xmlns:a="http://schemas.openxmlformats.org/drawingml/2006/main" xmlns:r="http://schemas.openxmlformats.org/officeDocument/2006/relationships" xmlns:p="http://schemas.openxmlformats.org/presentationml/2006/main">
+  <p:cSld>
+    <p:spTree>
+      <p:nvGrpSpPr>
+        <p:cNvPr id="1" name=""/>
+        <p:cNvGrpSpPr/>
+        <p:nvPr/>
+      </p:nvGrpSpPr>
+      <p:grpSpPr>
+        <a:xfrm>
+          <a:off x="0" y="0"/>
+          <a:ext cx="0" cy="0"/>
+          <a:chOff x="0" y="0"/>
+          <a:chExt cx="0" cy="0"/>
+        </a:xfrm>
+      </p:grpSpPr>
+      <p:sp>
+        <p:nvSpPr>
+          <p:cNvPr id="2" name="Title 1"/>
+          <p:cNvSpPr>
+            <a:spLocks noGrp="1"/>
+          </p:cNvSpPr>
+          <p:nvPr>
+            <p:ph type="title"/>
+          </p:nvPr>
+        </p:nvSpPr>
+        <p:spPr/>
+        <p:txBody>
+          <a:bodyPr/>
+          <a:lstStyle/>
+          <a:p>
+            <a:r>
+              <a:rPr lang="en-US" dirty="0" smtClean="0"/>
+              <a:t>JPG Logo</a:t>
+            </a:r>
+            <a:endParaRPr lang="en-US" dirty="0"/>
+          </a:p>
+        </p:txBody>
+      </p:sp>
+      <p:pic>
+        <p:nvPicPr>
+          <p:cNvPr id="5" name="Picture Placeholder 4"/>
+          <p:cNvPicPr>
+            <a:picLocks noGrp="1" noChangeAspect="1"/>
+          </p:cNvPicPr>
+          <p:nvPr>
+            <p:ph type="pic" idx="1"/>
+          </p:nvPr>
+        </p:nvPicPr>
+        <p:blipFill>
+          <a:blip r:embed="rId2">
+            <a:extLst>
+              <a:ext uri="{28A0092B-C50C-407E-A947-70E740481C1C}">
+                <a14:useLocalDpi xmlns:a14="http://schemas.microsoft.com/office/drawing/2010/main" val="0"/>
+              </a:ext>
+            </a:extLst>
+          </a:blip>
+          <a:stretch>
+            <a:fillRect/>
+          </a:stretch>
+        </p:blipFill>
+        <p:spPr>
+          <a:xfrm>
+            <a:off x="2159000.0" y="762000.0"/>
+            <a:ext cx="4826000" cy="1689100"/>
+          </a:xfrm>
+          <a:prstGeom prst="rect">
+            <a:avLst/>
+          </a:prstGeom>
+        </p:spPr>
+      </p:pic>
+      <p:sp>
+        <p:nvSpPr>
+          <p:cNvPr id="4" name="Text Placeholder 4"/>
+          <p:cNvSpPr>
+            <a:spLocks noGrp="1"/>
+          </p:cNvSpPr>
+          <p:nvPr>
+            <p:ph type="body" sz="half" idx="2"/>
+          </p:nvPr>
+        </p:nvSpPr>
+        <p:spPr/>
+        <p:txBody>
+          <a:bodyPr/>
+          <a:lstStyle/>
+          <a:p>
+            <a:r>
+              <a:rPr lang="en-US" dirty="0" smtClean="0"/>
+              <a:t>descriptions</a:t>
+            </a:r>
+            <a:endParaRPr lang="en-US"/>
+          </a:p>
+        </p:txBody>
+      </p:sp>
+    </p:spTree>
+    <p:extLst>
+      <p:ext uri="{BB962C8B-B14F-4D97-AF65-F5344CB8AC3E}">
+        <p14:creationId xmlns:p14="http://schemas.microsoft.com/office/powerpoint/2010/main" val="1435759726"/>
+      </p:ext>
+    </p:extLst>
+  </p:cSld>
+  <p:clrMapOvr>
+    <a:masterClrMapping/>
+  </p:clrMapOvr>
+</p:sld>
+</file>
+
+<file path=ppt/slides/slide9.xml><?xml version="1.0" encoding="utf-8"?>
+<p:sld xmlns:a="http://schemas.openxmlformats.org/drawingml/2006/main" xmlns:p="http://schemas.openxmlformats.org/presentationml/2006/main" xmlns:r="http://schemas.openxmlformats.org/officeDocument/2006/relationships">
+  <p:cSld>
+    <p:spTree>
+      <p:nvGrpSpPr>
+        <p:cNvPr id="1" name=""/>
+        <p:cNvGrpSpPr/>
+        <p:nvPr/>
+      </p:nvGrpSpPr>
+      <p:grpSpPr>
+        <a:xfrm>
+          <a:off x="0" y="0"/>
+          <a:ext cx="0" cy="0"/>
+          <a:chOff x="0" y="0"/>
+          <a:chExt cx="0" cy="0"/>
+        </a:xfrm>
+      </p:grpSpPr>
+      <p:sp>
+        <p:nvSpPr>
+          <p:cNvPr id="2" name="Title 1"/>
+          <p:cNvSpPr>
+            <a:spLocks noGrp="1"/>
+          </p:cNvSpPr>
+          <p:nvPr>
+            <p:ph type="title"/>
+          </p:nvPr>
+        </p:nvSpPr>
+        <p:spPr/>
+        <p:txBody>
+          <a:bodyPr/>
+          <a:lstStyle/>
+          <a:p>
+            <a:r>
+              <a:rPr dirty="0" lang="en-US" smtClean="0"/>
+              <a:t>GIF Logo</a:t>
+            </a:r>
+            <a:endParaRPr dirty="0" lang="en-US"/>
+          </a:p>
+        </p:txBody>
+      </p:sp>
+      <p:pic>
+        <p:nvPicPr>
+          <p:cNvPr id="4" name="Content Placeholder 3"/>
+          <p:cNvPicPr>
+            <a:picLocks noChangeAspect="1" noGrp="1"/>
+          </p:cNvPicPr>
+          <p:nvPr>
+            <p:ph idx="1"/>
+          </p:nvPr>
+        </p:nvPicPr>
+        <p:blipFill>
+          <a:blip r:embed="rId2">
+            <a:extLst>
+              <a:ext uri="{28A0092B-C50C-407E-A947-70E740481C1C}">
+                <a14:useLocalDpi xmlns:a14="http://schemas.microsoft.com/office/drawing/2010/main" val="0"/>
+              </a:ext>
+            </a:extLst>
+          </a:blip>
+          <a:stretch>
+            <a:fillRect/>
+          </a:stretch>
+        </p:blipFill>
+        <p:spPr>
+          <a:xfrm>
+            <a:off x="124200" y="3356451"/>
+            <a:ext cx="2895600" cy="1013460"/>
+          </a:xfrm>
+          <a:prstGeom prst="rect">
+            <a:avLst/>
+          </a:prstGeom>
+        </p:spPr>
+      </p:pic>
+    </p:spTree>
+    <p:extLst>
+      <p:ext uri="{BB962C8B-B14F-4D97-AF65-F5344CB8AC3E}">
+        <p14:creationId xmlns:p14="http://schemas.microsoft.com/office/powerpoint/2010/main" val="1474098577"/>
       </p:ext>
     </p:extLst>
   </p:cSld>

--- a/samples/pptx/sample.pptx
+++ b/samples/pptx/sample.pptx
@@ -16,7 +16,7 @@
     <p:sldId id="264" r:id="rId14"/>
     <p:sldId id="265" r:id="rId15"/>
   </p:sldIdLst>
-  <p:sldSz cx="9144000" cy="6858000" type="screen4x3"/>
+  <p:sldSz cx="9144000" cy="5143500" type="screen16x9"/>
   <p:notesSz cx="6858000" cy="9144000"/>
   <p:defaultTextStyle>
     <a:defPPr>

--- a/samples/pptx/sample.pptx
+++ b/samples/pptx/sample.pptx
@@ -4,17 +4,20 @@
   <p:sldMasterIdLst>
     <p:sldMasterId id="2147483648" r:id="rId1"/>
   </p:sldMasterIdLst>
+  <p:notesMasterIdLst>
+    <p:notesMasterId r:id="rId6"/>
+  </p:notesMasterIdLst>
   <p:sldIdLst>
-    <p:sldId id="256" r:id="rId6"/>
-    <p:sldId id="257" r:id="rId7"/>
-    <p:sldId id="258" r:id="rId8"/>
-    <p:sldId id="259" r:id="rId9"/>
-    <p:sldId id="260" r:id="rId10"/>
-    <p:sldId id="261" r:id="rId11"/>
-    <p:sldId id="262" r:id="rId12"/>
-    <p:sldId id="263" r:id="rId13"/>
-    <p:sldId id="264" r:id="rId14"/>
-    <p:sldId id="265" r:id="rId15"/>
+    <p:sldId id="256" r:id="rId7"/>
+    <p:sldId id="257" r:id="rId8"/>
+    <p:sldId id="258" r:id="rId9"/>
+    <p:sldId id="259" r:id="rId10"/>
+    <p:sldId id="260" r:id="rId11"/>
+    <p:sldId id="261" r:id="rId12"/>
+    <p:sldId id="262" r:id="rId13"/>
+    <p:sldId id="263" r:id="rId14"/>
+    <p:sldId id="264" r:id="rId15"/>
+    <p:sldId id="265" r:id="rId16"/>
   </p:sldIdLst>
   <p:sldSz cx="9144000" cy="5143500" type="screen16x9"/>
   <p:notesSz cx="6858000" cy="9144000"/>
@@ -130,6 +133,227 @@
     </p:ext>
   </p:extLst>
 </p:presentation>
+</file>
+
+<file path=ppt/commentAuthors.xml><?xml version="1.0" encoding="utf-8"?>
+<p:cmAuthorLst xmlns:a="http://schemas.openxmlformats.org/drawingml/2006/main" xmlns:r="http://schemas.openxmlformats.org/officeDocument/2006/relationships" xmlns:p="http://schemas.openxmlformats.org/presentationml/2006/main" xmlns:m="http://schemas.openxmlformats.org/officeDocument/2006/math" xmlns:a14="http://schemas.microsoft.com/office/drawing/2010/main"/>
+</file>
+
+<file path=ppt/notesMasters/notesMaster1.xml><?xml version="1.0" encoding="utf-8"?>
+<p:notesMaster xmlns:a="http://schemas.openxmlformats.org/drawingml/2006/main" xmlns:r="http://schemas.openxmlformats.org/officeDocument/2006/relationships" xmlns:p="http://schemas.openxmlformats.org/presentationml/2006/main" xmlns:m="http://schemas.openxmlformats.org/officeDocument/2006/math" xmlns:a14="http://schemas.microsoft.com/office/drawing/2010/main">
+  <p:cSld>
+    <p:spTree>
+      <p:nvGrpSpPr>
+        <p:cNvPr id="1" name=""/>
+        <p:cNvGrpSpPr/>
+        <p:nvPr/>
+      </p:nvGrpSpPr>
+      <p:grpSpPr>
+        <a:xfrm>
+          <a:off x="0" y="0"/>
+          <a:ext cx="0" cy="0"/>
+          <a:chOff x="0" y="0"/>
+          <a:chExt cx="0" cy="0"/>
+        </a:xfrm>
+      </p:grpSpPr>
+      <p:sp>
+        <p:nvSpPr>
+          <p:cNvPr id="109" name="Shape 109"/>
+          <p:cNvSpPr/>
+          <p:nvPr>
+            <p:ph type="sldImg"/>
+          </p:nvPr>
+        </p:nvSpPr>
+        <p:spPr>
+          <a:xfrm>
+            <a:off x="1143000" y="685800"/>
+            <a:ext cx="4572000" cy="3429000"/>
+          </a:xfrm>
+          <a:prstGeom prst="rect">
+            <a:avLst/>
+          </a:prstGeom>
+        </p:spPr>
+        <p:txBody>
+          <a:bodyPr/>
+          <a:lstStyle/>
+          <a:p>
+            <a:pPr/>
+          </a:p>
+        </p:txBody>
+      </p:sp>
+      <p:sp>
+        <p:nvSpPr>
+          <p:cNvPr id="110" name="Shape 110"/>
+          <p:cNvSpPr/>
+          <p:nvPr>
+            <p:ph type="body" sz="quarter" idx="1"/>
+          </p:nvPr>
+        </p:nvSpPr>
+        <p:spPr>
+          <a:xfrm>
+            <a:off x="914400" y="4343400"/>
+            <a:ext cx="5029200" cy="4114800"/>
+          </a:xfrm>
+          <a:prstGeom prst="rect">
+            <a:avLst/>
+          </a:prstGeom>
+        </p:spPr>
+        <p:txBody>
+          <a:bodyPr/>
+          <a:lstStyle/>
+          <a:p>
+            <a:pPr/>
+          </a:p>
+        </p:txBody>
+      </p:sp>
+    </p:spTree>
+  </p:cSld>
+  <p:clrMap bg1="lt1" tx1="dk1" bg2="lt2" tx2="dk2" accent1="accent1" accent2="accent2" accent3="accent3" accent4="accent4" accent5="accent5" accent6="accent6" hlink="hlink" folHlink="folHlink"/>
+  <p:notesStyle>
+    <a:lvl1pPr latinLnBrk="0">
+      <a:defRPr sz="1200">
+        <a:latin typeface="+mn-lt"/>
+        <a:ea typeface="+mn-ea"/>
+        <a:cs typeface="+mn-cs"/>
+        <a:sym typeface="Calibri"/>
+      </a:defRPr>
+    </a:lvl1pPr>
+    <a:lvl2pPr indent="228600" latinLnBrk="0">
+      <a:defRPr sz="1200">
+        <a:latin typeface="+mn-lt"/>
+        <a:ea typeface="+mn-ea"/>
+        <a:cs typeface="+mn-cs"/>
+        <a:sym typeface="Calibri"/>
+      </a:defRPr>
+    </a:lvl2pPr>
+    <a:lvl3pPr indent="457200" latinLnBrk="0">
+      <a:defRPr sz="1200">
+        <a:latin typeface="+mn-lt"/>
+        <a:ea typeface="+mn-ea"/>
+        <a:cs typeface="+mn-cs"/>
+        <a:sym typeface="Calibri"/>
+      </a:defRPr>
+    </a:lvl3pPr>
+    <a:lvl4pPr indent="685800" latinLnBrk="0">
+      <a:defRPr sz="1200">
+        <a:latin typeface="+mn-lt"/>
+        <a:ea typeface="+mn-ea"/>
+        <a:cs typeface="+mn-cs"/>
+        <a:sym typeface="Calibri"/>
+      </a:defRPr>
+    </a:lvl4pPr>
+    <a:lvl5pPr indent="914400" latinLnBrk="0">
+      <a:defRPr sz="1200">
+        <a:latin typeface="+mn-lt"/>
+        <a:ea typeface="+mn-ea"/>
+        <a:cs typeface="+mn-cs"/>
+        <a:sym typeface="Calibri"/>
+      </a:defRPr>
+    </a:lvl5pPr>
+    <a:lvl6pPr indent="1143000" latinLnBrk="0">
+      <a:defRPr sz="1200">
+        <a:latin typeface="+mn-lt"/>
+        <a:ea typeface="+mn-ea"/>
+        <a:cs typeface="+mn-cs"/>
+        <a:sym typeface="Calibri"/>
+      </a:defRPr>
+    </a:lvl6pPr>
+    <a:lvl7pPr indent="1371600" latinLnBrk="0">
+      <a:defRPr sz="1200">
+        <a:latin typeface="+mn-lt"/>
+        <a:ea typeface="+mn-ea"/>
+        <a:cs typeface="+mn-cs"/>
+        <a:sym typeface="Calibri"/>
+      </a:defRPr>
+    </a:lvl7pPr>
+    <a:lvl8pPr indent="1600200" latinLnBrk="0">
+      <a:defRPr sz="1200">
+        <a:latin typeface="+mn-lt"/>
+        <a:ea typeface="+mn-ea"/>
+        <a:cs typeface="+mn-cs"/>
+        <a:sym typeface="Calibri"/>
+      </a:defRPr>
+    </a:lvl8pPr>
+    <a:lvl9pPr indent="1828800" latinLnBrk="0">
+      <a:defRPr sz="1200">
+        <a:latin typeface="+mn-lt"/>
+        <a:ea typeface="+mn-ea"/>
+        <a:cs typeface="+mn-cs"/>
+        <a:sym typeface="Calibri"/>
+      </a:defRPr>
+    </a:lvl9pPr>
+  </p:notesStyle>
+</p:notesMaster>
+</file>
+
+<file path=ppt/notesSlides/notesSlide1.xml><?xml version="1.0" encoding="utf-8"?>
+<p:notes xmlns:a="http://schemas.openxmlformats.org/drawingml/2006/main" xmlns:r="http://schemas.openxmlformats.org/officeDocument/2006/relationships" xmlns:p="http://schemas.openxmlformats.org/presentationml/2006/main" xmlns:m="http://schemas.openxmlformats.org/officeDocument/2006/math" xmlns:a14="http://schemas.microsoft.com/office/drawing/2010/main" showMasterSp="1" showMasterPhAnim="1">
+  <p:cSld>
+    <p:spTree>
+      <p:nvGrpSpPr>
+        <p:cNvPr id="1" name=""/>
+        <p:cNvGrpSpPr/>
+        <p:nvPr/>
+      </p:nvGrpSpPr>
+      <p:grpSpPr>
+        <a:xfrm>
+          <a:off x="0" y="0"/>
+          <a:ext cx="0" cy="0"/>
+          <a:chOff x="0" y="0"/>
+          <a:chExt cx="0" cy="0"/>
+        </a:xfrm>
+      </p:grpSpPr>
+      <p:sp>
+        <p:nvSpPr>
+          <p:cNvPr id="124" name="Shape 124"/>
+          <p:cNvSpPr/>
+          <p:nvPr>
+            <p:ph type="sldImg"/>
+          </p:nvPr>
+        </p:nvSpPr>
+        <p:spPr>
+          <a:prstGeom prst="rect">
+            <a:avLst/>
+          </a:prstGeom>
+        </p:spPr>
+        <p:txBody>
+          <a:bodyPr/>
+          <a:lstStyle/>
+          <a:p>
+            <a:pPr/>
+          </a:p>
+        </p:txBody>
+      </p:sp>
+      <p:sp>
+        <p:nvSpPr>
+          <p:cNvPr id="125" name="Shape 125"/>
+          <p:cNvSpPr/>
+          <p:nvPr>
+            <p:ph type="body" sz="quarter" idx="1"/>
+          </p:nvPr>
+        </p:nvSpPr>
+        <p:spPr>
+          <a:prstGeom prst="rect">
+            <a:avLst/>
+          </a:prstGeom>
+        </p:spPr>
+        <p:txBody>
+          <a:bodyPr/>
+          <a:lstStyle/>
+          <a:p>
+            <a:pPr/>
+            <a:r>
+              <a:t>This is a note!</a:t>
+            </a:r>
+          </a:p>
+        </p:txBody>
+      </p:sp>
+    </p:spTree>
+  </p:cSld>
+  <p:clrMapOvr>
+    <a:masterClrMapping/>
+  </p:clrMapOvr>
+</p:notes>
 </file>
 
 <file path=ppt/slideLayouts/slideLayout1.xml><?xml version="1.0" encoding="utf-8"?>
@@ -3981,20 +4205,20 @@
 </file>
 
 <file path=ppt/theme/theme1.xml><?xml version="1.0" encoding="utf-8"?>
-<a:theme xmlns:a="http://schemas.openxmlformats.org/drawingml/2006/main" name="Office Theme">
+<a:theme xmlns:a="http://schemas.openxmlformats.org/drawingml/2006/main" xmlns:r="http://schemas.openxmlformats.org/officeDocument/2006/relationships" name="Office Theme">
   <a:themeElements>
-    <a:clrScheme name="Office">
+    <a:clrScheme name="Office Theme">
       <a:dk1>
-        <a:sysClr val="windowText" lastClr="000000"/>
+        <a:srgbClr val="000000"/>
       </a:dk1>
       <a:lt1>
-        <a:sysClr val="window" lastClr="FFFFFF"/>
+        <a:srgbClr val="FFFFFF"/>
       </a:lt1>
       <a:dk2>
-        <a:srgbClr val="1F497D"/>
+        <a:srgbClr val="A7A7A7"/>
       </a:dk2>
       <a:lt2>
-        <a:srgbClr val="EEECE1"/>
+        <a:srgbClr val="535353"/>
       </a:lt2>
       <a:accent1>
         <a:srgbClr val="4F81BD"/>
@@ -4018,80 +4242,22 @@
         <a:srgbClr val="0000FF"/>
       </a:hlink>
       <a:folHlink>
-        <a:srgbClr val="800080"/>
+        <a:srgbClr val="FF00FF"/>
       </a:folHlink>
     </a:clrScheme>
-    <a:fontScheme name="Office">
+    <a:fontScheme name="Office Theme">
       <a:majorFont>
-        <a:latin typeface="Calibri"/>
-        <a:ea typeface=""/>
-        <a:cs typeface=""/>
-        <a:font script="Jpan" typeface="ＭＳ Ｐゴシック"/>
-        <a:font script="Hang" typeface="맑은 고딕"/>
-        <a:font script="Hans" typeface="宋体"/>
-        <a:font script="Hant" typeface="新細明體"/>
-        <a:font script="Arab" typeface="Times New Roman"/>
-        <a:font script="Hebr" typeface="Times New Roman"/>
-        <a:font script="Thai" typeface="Angsana New"/>
-        <a:font script="Ethi" typeface="Nyala"/>
-        <a:font script="Beng" typeface="Vrinda"/>
-        <a:font script="Gujr" typeface="Shruti"/>
-        <a:font script="Khmr" typeface="MoolBoran"/>
-        <a:font script="Knda" typeface="Tunga"/>
-        <a:font script="Guru" typeface="Raavi"/>
-        <a:font script="Cans" typeface="Euphemia"/>
-        <a:font script="Cher" typeface="Plantagenet Cherokee"/>
-        <a:font script="Yiii" typeface="Microsoft Yi Baiti"/>
-        <a:font script="Tibt" typeface="Microsoft Himalaya"/>
-        <a:font script="Thaa" typeface="MV Boli"/>
-        <a:font script="Deva" typeface="Mangal"/>
-        <a:font script="Telu" typeface="Gautami"/>
-        <a:font script="Taml" typeface="Latha"/>
-        <a:font script="Syrc" typeface="Estrangelo Edessa"/>
-        <a:font script="Orya" typeface="Kalinga"/>
-        <a:font script="Mlym" typeface="Kartika"/>
-        <a:font script="Laoo" typeface="DokChampa"/>
-        <a:font script="Sinh" typeface="Iskoola Pota"/>
-        <a:font script="Mong" typeface="Mongolian Baiti"/>
-        <a:font script="Viet" typeface="Times New Roman"/>
-        <a:font script="Uigh" typeface="Microsoft Uighur"/>
+        <a:latin typeface="Helvetica"/>
+        <a:ea typeface="Helvetica"/>
+        <a:cs typeface="Helvetica"/>
       </a:majorFont>
       <a:minorFont>
         <a:latin typeface="Calibri"/>
-        <a:ea typeface=""/>
-        <a:cs typeface=""/>
-        <a:font script="Jpan" typeface="ＭＳ Ｐゴシック"/>
-        <a:font script="Hang" typeface="맑은 고딕"/>
-        <a:font script="Hans" typeface="宋体"/>
-        <a:font script="Hant" typeface="新細明體"/>
-        <a:font script="Arab" typeface="Arial"/>
-        <a:font script="Hebr" typeface="Arial"/>
-        <a:font script="Thai" typeface="Cordia New"/>
-        <a:font script="Ethi" typeface="Nyala"/>
-        <a:font script="Beng" typeface="Vrinda"/>
-        <a:font script="Gujr" typeface="Shruti"/>
-        <a:font script="Khmr" typeface="DaunPenh"/>
-        <a:font script="Knda" typeface="Tunga"/>
-        <a:font script="Guru" typeface="Raavi"/>
-        <a:font script="Cans" typeface="Euphemia"/>
-        <a:font script="Cher" typeface="Plantagenet Cherokee"/>
-        <a:font script="Yiii" typeface="Microsoft Yi Baiti"/>
-        <a:font script="Tibt" typeface="Microsoft Himalaya"/>
-        <a:font script="Thaa" typeface="MV Boli"/>
-        <a:font script="Deva" typeface="Mangal"/>
-        <a:font script="Telu" typeface="Gautami"/>
-        <a:font script="Taml" typeface="Latha"/>
-        <a:font script="Syrc" typeface="Estrangelo Edessa"/>
-        <a:font script="Orya" typeface="Kalinga"/>
-        <a:font script="Mlym" typeface="Kartika"/>
-        <a:font script="Laoo" typeface="DokChampa"/>
-        <a:font script="Sinh" typeface="Iskoola Pota"/>
-        <a:font script="Mong" typeface="Mongolian Baiti"/>
-        <a:font script="Viet" typeface="Arial"/>
-        <a:font script="Uigh" typeface="Microsoft Uighur"/>
+        <a:ea typeface="Calibri"/>
+        <a:cs typeface="Calibri"/>
       </a:minorFont>
     </a:fontScheme>
-    <a:fmtScheme name="Office">
+    <a:fmtScheme name="Office Theme">
       <a:fillStyleLst>
         <a:solidFill>
           <a:schemeClr val="phClr"/>
@@ -4123,20 +4289,16 @@
           <a:gsLst>
             <a:gs pos="0">
               <a:schemeClr val="phClr">
-                <a:shade val="51000"/>
-                <a:satMod val="130000"/>
-              </a:schemeClr>
-            </a:gs>
-            <a:gs pos="80000">
-              <a:schemeClr val="phClr">
-                <a:shade val="93000"/>
-                <a:satMod val="130000"/>
+                <a:tint val="100000"/>
+                <a:shade val="100000"/>
+                <a:satMod val="129999"/>
               </a:schemeClr>
             </a:gs>
             <a:gs pos="100000">
               <a:schemeClr val="phClr">
-                <a:shade val="94000"/>
-                <a:satMod val="135000"/>
+                <a:tint val="50000"/>
+                <a:shade val="100000"/>
+                <a:satMod val="350000"/>
               </a:schemeClr>
             </a:gs>
           </a:gsLst>
@@ -4148,7 +4310,7 @@
           <a:solidFill>
             <a:schemeClr val="phClr">
               <a:shade val="95000"/>
-              <a:satMod val="105000"/>
+              <a:satMod val="104999"/>
             </a:schemeClr>
           </a:solidFill>
           <a:prstDash val="solid"/>
@@ -4169,16 +4331,7 @@
       <a:effectStyleLst>
         <a:effectStyle>
           <a:effectLst>
-            <a:outerShdw blurRad="40000" dist="20000" dir="5400000" rotWithShape="0">
-              <a:srgbClr val="000000">
-                <a:alpha val="38000"/>
-              </a:srgbClr>
-            </a:outerShdw>
-          </a:effectLst>
-        </a:effectStyle>
-        <a:effectStyle>
-          <a:effectLst>
-            <a:outerShdw blurRad="40000" dist="23000" dir="5400000" rotWithShape="0">
+            <a:outerShdw sx="100000" sy="100000" kx="0" ky="0" algn="b" rotWithShape="0" blurRad="38100" dist="23000" dir="5400000">
               <a:srgbClr val="000000">
                 <a:alpha val="35000"/>
               </a:srgbClr>
@@ -4187,23 +4340,21 @@
         </a:effectStyle>
         <a:effectStyle>
           <a:effectLst>
-            <a:outerShdw blurRad="40000" dist="23000" dir="5400000" rotWithShape="0">
+            <a:outerShdw sx="100000" sy="100000" kx="0" ky="0" algn="b" rotWithShape="0" blurRad="38100" dist="23000" dir="5400000">
               <a:srgbClr val="000000">
                 <a:alpha val="35000"/>
               </a:srgbClr>
             </a:outerShdw>
           </a:effectLst>
-          <a:scene3d>
-            <a:camera prst="orthographicFront">
-              <a:rot lat="0" lon="0" rev="0"/>
-            </a:camera>
-            <a:lightRig rig="threePt" dir="t">
-              <a:rot lat="0" lon="0" rev="1200000"/>
-            </a:lightRig>
-          </a:scene3d>
-          <a:sp3d>
-            <a:bevelT w="63500" h="25400"/>
-          </a:sp3d>
+        </a:effectStyle>
+        <a:effectStyle>
+          <a:effectLst>
+            <a:outerShdw sx="100000" sy="100000" kx="0" ky="0" algn="b" rotWithShape="0" blurRad="38100" dist="20000" dir="5400000">
+              <a:srgbClr val="000000">
+                <a:alpha val="38000"/>
+              </a:srgbClr>
+            </a:outerShdw>
+          </a:effectLst>
         </a:effectStyle>
       </a:effectStyleLst>
       <a:bgFillStyleLst>
@@ -4258,7 +4409,1965 @@
       </a:bgFillStyleLst>
     </a:fmtScheme>
   </a:themeElements>
-  <a:objectDefaults/>
-  <a:extraClrSchemeLst/>
+  <a:objectDefaults>
+    <a:spDef>
+      <a:spPr>
+        <a:solidFill>
+          <a:srgbClr val="FFFFFF"/>
+        </a:solidFill>
+        <a:ln w="25400" cap="flat">
+          <a:solidFill>
+            <a:schemeClr val="accent1"/>
+          </a:solidFill>
+          <a:prstDash val="solid"/>
+          <a:round/>
+        </a:ln>
+        <a:effectLst>
+          <a:outerShdw sx="100000" sy="100000" kx="0" ky="0" algn="b" rotWithShape="0" blurRad="38100" dist="23000" dir="5400000">
+            <a:srgbClr val="000000">
+              <a:alpha val="35000"/>
+            </a:srgbClr>
+          </a:outerShdw>
+        </a:effectLst>
+        <a:sp3d/>
+      </a:spPr>
+      <a:bodyPr rot="0" spcFirstLastPara="1" vertOverflow="overflow" horzOverflow="overflow" vert="horz" wrap="square" lIns="45719" tIns="45719" rIns="45719" bIns="45719" numCol="1" spcCol="38100" rtlCol="0" anchor="ctr" upright="0">
+        <a:spAutoFit/>
+      </a:bodyPr>
+      <a:lstStyle>
+        <a:defPPr marL="0" marR="0" indent="0" algn="l" defTabSz="914400" rtl="0" fontAlgn="auto" latinLnBrk="0" hangingPunct="0">
+          <a:lnSpc>
+            <a:spcPct val="100000"/>
+          </a:lnSpc>
+          <a:spcBef>
+            <a:spcPts val="0"/>
+          </a:spcBef>
+          <a:spcAft>
+            <a:spcPts val="0"/>
+          </a:spcAft>
+          <a:buClrTx/>
+          <a:buSzTx/>
+          <a:buFontTx/>
+          <a:buNone/>
+          <a:tabLst/>
+          <a:defRPr b="0" baseline="0" cap="none" i="0" spc="0" strike="noStrike" sz="1800" u="none" kumimoji="0" normalizeH="0">
+            <a:ln>
+              <a:noFill/>
+            </a:ln>
+            <a:solidFill>
+              <a:srgbClr val="000000"/>
+            </a:solidFill>
+            <a:effectLst/>
+            <a:uFillTx/>
+            <a:latin typeface="+mn-lt"/>
+            <a:ea typeface="+mn-ea"/>
+            <a:cs typeface="+mn-cs"/>
+            <a:sym typeface="Calibri"/>
+          </a:defRPr>
+        </a:defPPr>
+        <a:lvl1pPr marL="0" marR="0" indent="0" algn="l" defTabSz="914400" rtl="0" fontAlgn="auto" latinLnBrk="1" hangingPunct="0">
+          <a:lnSpc>
+            <a:spcPct val="100000"/>
+          </a:lnSpc>
+          <a:spcBef>
+            <a:spcPts val="0"/>
+          </a:spcBef>
+          <a:spcAft>
+            <a:spcPts val="0"/>
+          </a:spcAft>
+          <a:buClrTx/>
+          <a:buSzTx/>
+          <a:buFontTx/>
+          <a:buNone/>
+          <a:tabLst/>
+          <a:defRPr b="0" baseline="0" cap="none" i="0" spc="0" strike="noStrike" sz="1800" u="none" kumimoji="0" normalizeH="0">
+            <a:ln>
+              <a:noFill/>
+            </a:ln>
+            <a:solidFill>
+              <a:srgbClr val="000000"/>
+            </a:solidFill>
+            <a:effectLst/>
+            <a:uFillTx/>
+          </a:defRPr>
+        </a:lvl1pPr>
+        <a:lvl2pPr marL="0" marR="0" indent="0" algn="l" defTabSz="914400" rtl="0" fontAlgn="auto" latinLnBrk="1" hangingPunct="0">
+          <a:lnSpc>
+            <a:spcPct val="100000"/>
+          </a:lnSpc>
+          <a:spcBef>
+            <a:spcPts val="0"/>
+          </a:spcBef>
+          <a:spcAft>
+            <a:spcPts val="0"/>
+          </a:spcAft>
+          <a:buClrTx/>
+          <a:buSzTx/>
+          <a:buFontTx/>
+          <a:buNone/>
+          <a:tabLst/>
+          <a:defRPr b="0" baseline="0" cap="none" i="0" spc="0" strike="noStrike" sz="1800" u="none" kumimoji="0" normalizeH="0">
+            <a:ln>
+              <a:noFill/>
+            </a:ln>
+            <a:solidFill>
+              <a:srgbClr val="000000"/>
+            </a:solidFill>
+            <a:effectLst/>
+            <a:uFillTx/>
+          </a:defRPr>
+        </a:lvl2pPr>
+        <a:lvl3pPr marL="0" marR="0" indent="0" algn="l" defTabSz="914400" rtl="0" fontAlgn="auto" latinLnBrk="1" hangingPunct="0">
+          <a:lnSpc>
+            <a:spcPct val="100000"/>
+          </a:lnSpc>
+          <a:spcBef>
+            <a:spcPts val="0"/>
+          </a:spcBef>
+          <a:spcAft>
+            <a:spcPts val="0"/>
+          </a:spcAft>
+          <a:buClrTx/>
+          <a:buSzTx/>
+          <a:buFontTx/>
+          <a:buNone/>
+          <a:tabLst/>
+          <a:defRPr b="0" baseline="0" cap="none" i="0" spc="0" strike="noStrike" sz="1800" u="none" kumimoji="0" normalizeH="0">
+            <a:ln>
+              <a:noFill/>
+            </a:ln>
+            <a:solidFill>
+              <a:srgbClr val="000000"/>
+            </a:solidFill>
+            <a:effectLst/>
+            <a:uFillTx/>
+          </a:defRPr>
+        </a:lvl3pPr>
+        <a:lvl4pPr marL="0" marR="0" indent="0" algn="l" defTabSz="914400" rtl="0" fontAlgn="auto" latinLnBrk="1" hangingPunct="0">
+          <a:lnSpc>
+            <a:spcPct val="100000"/>
+          </a:lnSpc>
+          <a:spcBef>
+            <a:spcPts val="0"/>
+          </a:spcBef>
+          <a:spcAft>
+            <a:spcPts val="0"/>
+          </a:spcAft>
+          <a:buClrTx/>
+          <a:buSzTx/>
+          <a:buFontTx/>
+          <a:buNone/>
+          <a:tabLst/>
+          <a:defRPr b="0" baseline="0" cap="none" i="0" spc="0" strike="noStrike" sz="1800" u="none" kumimoji="0" normalizeH="0">
+            <a:ln>
+              <a:noFill/>
+            </a:ln>
+            <a:solidFill>
+              <a:srgbClr val="000000"/>
+            </a:solidFill>
+            <a:effectLst/>
+            <a:uFillTx/>
+          </a:defRPr>
+        </a:lvl4pPr>
+        <a:lvl5pPr marL="0" marR="0" indent="0" algn="l" defTabSz="914400" rtl="0" fontAlgn="auto" latinLnBrk="1" hangingPunct="0">
+          <a:lnSpc>
+            <a:spcPct val="100000"/>
+          </a:lnSpc>
+          <a:spcBef>
+            <a:spcPts val="0"/>
+          </a:spcBef>
+          <a:spcAft>
+            <a:spcPts val="0"/>
+          </a:spcAft>
+          <a:buClrTx/>
+          <a:buSzTx/>
+          <a:buFontTx/>
+          <a:buNone/>
+          <a:tabLst/>
+          <a:defRPr b="0" baseline="0" cap="none" i="0" spc="0" strike="noStrike" sz="1800" u="none" kumimoji="0" normalizeH="0">
+            <a:ln>
+              <a:noFill/>
+            </a:ln>
+            <a:solidFill>
+              <a:srgbClr val="000000"/>
+            </a:solidFill>
+            <a:effectLst/>
+            <a:uFillTx/>
+          </a:defRPr>
+        </a:lvl5pPr>
+        <a:lvl6pPr marL="0" marR="0" indent="0" algn="l" defTabSz="914400" rtl="0" fontAlgn="auto" latinLnBrk="1" hangingPunct="0">
+          <a:lnSpc>
+            <a:spcPct val="100000"/>
+          </a:lnSpc>
+          <a:spcBef>
+            <a:spcPts val="0"/>
+          </a:spcBef>
+          <a:spcAft>
+            <a:spcPts val="0"/>
+          </a:spcAft>
+          <a:buClrTx/>
+          <a:buSzTx/>
+          <a:buFontTx/>
+          <a:buNone/>
+          <a:tabLst/>
+          <a:defRPr b="0" baseline="0" cap="none" i="0" spc="0" strike="noStrike" sz="1800" u="none" kumimoji="0" normalizeH="0">
+            <a:ln>
+              <a:noFill/>
+            </a:ln>
+            <a:solidFill>
+              <a:srgbClr val="000000"/>
+            </a:solidFill>
+            <a:effectLst/>
+            <a:uFillTx/>
+          </a:defRPr>
+        </a:lvl6pPr>
+        <a:lvl7pPr marL="0" marR="0" indent="0" algn="l" defTabSz="914400" rtl="0" fontAlgn="auto" latinLnBrk="1" hangingPunct="0">
+          <a:lnSpc>
+            <a:spcPct val="100000"/>
+          </a:lnSpc>
+          <a:spcBef>
+            <a:spcPts val="0"/>
+          </a:spcBef>
+          <a:spcAft>
+            <a:spcPts val="0"/>
+          </a:spcAft>
+          <a:buClrTx/>
+          <a:buSzTx/>
+          <a:buFontTx/>
+          <a:buNone/>
+          <a:tabLst/>
+          <a:defRPr b="0" baseline="0" cap="none" i="0" spc="0" strike="noStrike" sz="1800" u="none" kumimoji="0" normalizeH="0">
+            <a:ln>
+              <a:noFill/>
+            </a:ln>
+            <a:solidFill>
+              <a:srgbClr val="000000"/>
+            </a:solidFill>
+            <a:effectLst/>
+            <a:uFillTx/>
+          </a:defRPr>
+        </a:lvl7pPr>
+        <a:lvl8pPr marL="0" marR="0" indent="0" algn="l" defTabSz="914400" rtl="0" fontAlgn="auto" latinLnBrk="1" hangingPunct="0">
+          <a:lnSpc>
+            <a:spcPct val="100000"/>
+          </a:lnSpc>
+          <a:spcBef>
+            <a:spcPts val="0"/>
+          </a:spcBef>
+          <a:spcAft>
+            <a:spcPts val="0"/>
+          </a:spcAft>
+          <a:buClrTx/>
+          <a:buSzTx/>
+          <a:buFontTx/>
+          <a:buNone/>
+          <a:tabLst/>
+          <a:defRPr b="0" baseline="0" cap="none" i="0" spc="0" strike="noStrike" sz="1800" u="none" kumimoji="0" normalizeH="0">
+            <a:ln>
+              <a:noFill/>
+            </a:ln>
+            <a:solidFill>
+              <a:srgbClr val="000000"/>
+            </a:solidFill>
+            <a:effectLst/>
+            <a:uFillTx/>
+          </a:defRPr>
+        </a:lvl8pPr>
+        <a:lvl9pPr marL="0" marR="0" indent="0" algn="l" defTabSz="914400" rtl="0" fontAlgn="auto" latinLnBrk="1" hangingPunct="0">
+          <a:lnSpc>
+            <a:spcPct val="100000"/>
+          </a:lnSpc>
+          <a:spcBef>
+            <a:spcPts val="0"/>
+          </a:spcBef>
+          <a:spcAft>
+            <a:spcPts val="0"/>
+          </a:spcAft>
+          <a:buClrTx/>
+          <a:buSzTx/>
+          <a:buFontTx/>
+          <a:buNone/>
+          <a:tabLst/>
+          <a:defRPr b="0" baseline="0" cap="none" i="0" spc="0" strike="noStrike" sz="1800" u="none" kumimoji="0" normalizeH="0">
+            <a:ln>
+              <a:noFill/>
+            </a:ln>
+            <a:solidFill>
+              <a:srgbClr val="000000"/>
+            </a:solidFill>
+            <a:effectLst/>
+            <a:uFillTx/>
+          </a:defRPr>
+        </a:lvl9pPr>
+      </a:lstStyle>
+      <a:style>
+        <a:lnRef idx="0"/>
+        <a:fillRef idx="0"/>
+        <a:effectRef idx="0"/>
+        <a:fontRef idx="none"/>
+      </a:style>
+    </a:spDef>
+    <a:lnDef>
+      <a:spPr>
+        <a:noFill/>
+        <a:ln w="25400" cap="flat">
+          <a:solidFill>
+            <a:schemeClr val="accent1"/>
+          </a:solidFill>
+          <a:prstDash val="solid"/>
+          <a:round/>
+        </a:ln>
+        <a:effectLst>
+          <a:outerShdw sx="100000" sy="100000" kx="0" ky="0" algn="b" rotWithShape="0" blurRad="38100" dist="20000" dir="5400000">
+            <a:srgbClr val="000000">
+              <a:alpha val="38000"/>
+            </a:srgbClr>
+          </a:outerShdw>
+        </a:effectLst>
+        <a:sp3d/>
+      </a:spPr>
+      <a:bodyPr rot="0" spcFirstLastPara="1" vertOverflow="overflow" horzOverflow="overflow" vert="horz" wrap="square" lIns="91439" tIns="45719" rIns="91439" bIns="45719" numCol="1" spcCol="38100" rtlCol="0" anchor="t" upright="0">
+        <a:noAutofit/>
+      </a:bodyPr>
+      <a:lstStyle>
+        <a:defPPr marL="0" marR="0" indent="0" algn="l" defTabSz="914400" rtl="0" fontAlgn="auto" latinLnBrk="1" hangingPunct="0">
+          <a:lnSpc>
+            <a:spcPct val="100000"/>
+          </a:lnSpc>
+          <a:spcBef>
+            <a:spcPts val="0"/>
+          </a:spcBef>
+          <a:spcAft>
+            <a:spcPts val="0"/>
+          </a:spcAft>
+          <a:buClrTx/>
+          <a:buSzTx/>
+          <a:buFontTx/>
+          <a:buNone/>
+          <a:tabLst/>
+          <a:defRPr b="0" baseline="0" cap="none" i="0" spc="0" strike="noStrike" sz="1800" u="none" kumimoji="0" normalizeH="0">
+            <a:ln>
+              <a:noFill/>
+            </a:ln>
+            <a:solidFill>
+              <a:srgbClr val="000000"/>
+            </a:solidFill>
+            <a:effectLst/>
+            <a:uFillTx/>
+          </a:defRPr>
+        </a:defPPr>
+        <a:lvl1pPr marL="0" marR="0" indent="0" algn="l" defTabSz="914400" rtl="0" fontAlgn="auto" latinLnBrk="1" hangingPunct="0">
+          <a:lnSpc>
+            <a:spcPct val="100000"/>
+          </a:lnSpc>
+          <a:spcBef>
+            <a:spcPts val="0"/>
+          </a:spcBef>
+          <a:spcAft>
+            <a:spcPts val="0"/>
+          </a:spcAft>
+          <a:buClrTx/>
+          <a:buSzTx/>
+          <a:buFontTx/>
+          <a:buNone/>
+          <a:tabLst/>
+          <a:defRPr b="0" baseline="0" cap="none" i="0" spc="0" strike="noStrike" sz="1800" u="none" kumimoji="0" normalizeH="0">
+            <a:ln>
+              <a:noFill/>
+            </a:ln>
+            <a:solidFill>
+              <a:srgbClr val="000000"/>
+            </a:solidFill>
+            <a:effectLst/>
+            <a:uFillTx/>
+          </a:defRPr>
+        </a:lvl1pPr>
+        <a:lvl2pPr marL="0" marR="0" indent="0" algn="l" defTabSz="914400" rtl="0" fontAlgn="auto" latinLnBrk="1" hangingPunct="0">
+          <a:lnSpc>
+            <a:spcPct val="100000"/>
+          </a:lnSpc>
+          <a:spcBef>
+            <a:spcPts val="0"/>
+          </a:spcBef>
+          <a:spcAft>
+            <a:spcPts val="0"/>
+          </a:spcAft>
+          <a:buClrTx/>
+          <a:buSzTx/>
+          <a:buFontTx/>
+          <a:buNone/>
+          <a:tabLst/>
+          <a:defRPr b="0" baseline="0" cap="none" i="0" spc="0" strike="noStrike" sz="1800" u="none" kumimoji="0" normalizeH="0">
+            <a:ln>
+              <a:noFill/>
+            </a:ln>
+            <a:solidFill>
+              <a:srgbClr val="000000"/>
+            </a:solidFill>
+            <a:effectLst/>
+            <a:uFillTx/>
+          </a:defRPr>
+        </a:lvl2pPr>
+        <a:lvl3pPr marL="0" marR="0" indent="0" algn="l" defTabSz="914400" rtl="0" fontAlgn="auto" latinLnBrk="1" hangingPunct="0">
+          <a:lnSpc>
+            <a:spcPct val="100000"/>
+          </a:lnSpc>
+          <a:spcBef>
+            <a:spcPts val="0"/>
+          </a:spcBef>
+          <a:spcAft>
+            <a:spcPts val="0"/>
+          </a:spcAft>
+          <a:buClrTx/>
+          <a:buSzTx/>
+          <a:buFontTx/>
+          <a:buNone/>
+          <a:tabLst/>
+          <a:defRPr b="0" baseline="0" cap="none" i="0" spc="0" strike="noStrike" sz="1800" u="none" kumimoji="0" normalizeH="0">
+            <a:ln>
+              <a:noFill/>
+            </a:ln>
+            <a:solidFill>
+              <a:srgbClr val="000000"/>
+            </a:solidFill>
+            <a:effectLst/>
+            <a:uFillTx/>
+          </a:defRPr>
+        </a:lvl3pPr>
+        <a:lvl4pPr marL="0" marR="0" indent="0" algn="l" defTabSz="914400" rtl="0" fontAlgn="auto" latinLnBrk="1" hangingPunct="0">
+          <a:lnSpc>
+            <a:spcPct val="100000"/>
+          </a:lnSpc>
+          <a:spcBef>
+            <a:spcPts val="0"/>
+          </a:spcBef>
+          <a:spcAft>
+            <a:spcPts val="0"/>
+          </a:spcAft>
+          <a:buClrTx/>
+          <a:buSzTx/>
+          <a:buFontTx/>
+          <a:buNone/>
+          <a:tabLst/>
+          <a:defRPr b="0" baseline="0" cap="none" i="0" spc="0" strike="noStrike" sz="1800" u="none" kumimoji="0" normalizeH="0">
+            <a:ln>
+              <a:noFill/>
+            </a:ln>
+            <a:solidFill>
+              <a:srgbClr val="000000"/>
+            </a:solidFill>
+            <a:effectLst/>
+            <a:uFillTx/>
+          </a:defRPr>
+        </a:lvl4pPr>
+        <a:lvl5pPr marL="0" marR="0" indent="0" algn="l" defTabSz="914400" rtl="0" fontAlgn="auto" latinLnBrk="1" hangingPunct="0">
+          <a:lnSpc>
+            <a:spcPct val="100000"/>
+          </a:lnSpc>
+          <a:spcBef>
+            <a:spcPts val="0"/>
+          </a:spcBef>
+          <a:spcAft>
+            <a:spcPts val="0"/>
+          </a:spcAft>
+          <a:buClrTx/>
+          <a:buSzTx/>
+          <a:buFontTx/>
+          <a:buNone/>
+          <a:tabLst/>
+          <a:defRPr b="0" baseline="0" cap="none" i="0" spc="0" strike="noStrike" sz="1800" u="none" kumimoji="0" normalizeH="0">
+            <a:ln>
+              <a:noFill/>
+            </a:ln>
+            <a:solidFill>
+              <a:srgbClr val="000000"/>
+            </a:solidFill>
+            <a:effectLst/>
+            <a:uFillTx/>
+          </a:defRPr>
+        </a:lvl5pPr>
+        <a:lvl6pPr marL="0" marR="0" indent="0" algn="l" defTabSz="914400" rtl="0" fontAlgn="auto" latinLnBrk="1" hangingPunct="0">
+          <a:lnSpc>
+            <a:spcPct val="100000"/>
+          </a:lnSpc>
+          <a:spcBef>
+            <a:spcPts val="0"/>
+          </a:spcBef>
+          <a:spcAft>
+            <a:spcPts val="0"/>
+          </a:spcAft>
+          <a:buClrTx/>
+          <a:buSzTx/>
+          <a:buFontTx/>
+          <a:buNone/>
+          <a:tabLst/>
+          <a:defRPr b="0" baseline="0" cap="none" i="0" spc="0" strike="noStrike" sz="1800" u="none" kumimoji="0" normalizeH="0">
+            <a:ln>
+              <a:noFill/>
+            </a:ln>
+            <a:solidFill>
+              <a:srgbClr val="000000"/>
+            </a:solidFill>
+            <a:effectLst/>
+            <a:uFillTx/>
+          </a:defRPr>
+        </a:lvl6pPr>
+        <a:lvl7pPr marL="0" marR="0" indent="0" algn="l" defTabSz="914400" rtl="0" fontAlgn="auto" latinLnBrk="1" hangingPunct="0">
+          <a:lnSpc>
+            <a:spcPct val="100000"/>
+          </a:lnSpc>
+          <a:spcBef>
+            <a:spcPts val="0"/>
+          </a:spcBef>
+          <a:spcAft>
+            <a:spcPts val="0"/>
+          </a:spcAft>
+          <a:buClrTx/>
+          <a:buSzTx/>
+          <a:buFontTx/>
+          <a:buNone/>
+          <a:tabLst/>
+          <a:defRPr b="0" baseline="0" cap="none" i="0" spc="0" strike="noStrike" sz="1800" u="none" kumimoji="0" normalizeH="0">
+            <a:ln>
+              <a:noFill/>
+            </a:ln>
+            <a:solidFill>
+              <a:srgbClr val="000000"/>
+            </a:solidFill>
+            <a:effectLst/>
+            <a:uFillTx/>
+          </a:defRPr>
+        </a:lvl7pPr>
+        <a:lvl8pPr marL="0" marR="0" indent="0" algn="l" defTabSz="914400" rtl="0" fontAlgn="auto" latinLnBrk="1" hangingPunct="0">
+          <a:lnSpc>
+            <a:spcPct val="100000"/>
+          </a:lnSpc>
+          <a:spcBef>
+            <a:spcPts val="0"/>
+          </a:spcBef>
+          <a:spcAft>
+            <a:spcPts val="0"/>
+          </a:spcAft>
+          <a:buClrTx/>
+          <a:buSzTx/>
+          <a:buFontTx/>
+          <a:buNone/>
+          <a:tabLst/>
+          <a:defRPr b="0" baseline="0" cap="none" i="0" spc="0" strike="noStrike" sz="1800" u="none" kumimoji="0" normalizeH="0">
+            <a:ln>
+              <a:noFill/>
+            </a:ln>
+            <a:solidFill>
+              <a:srgbClr val="000000"/>
+            </a:solidFill>
+            <a:effectLst/>
+            <a:uFillTx/>
+          </a:defRPr>
+        </a:lvl8pPr>
+        <a:lvl9pPr marL="0" marR="0" indent="0" algn="l" defTabSz="914400" rtl="0" fontAlgn="auto" latinLnBrk="1" hangingPunct="0">
+          <a:lnSpc>
+            <a:spcPct val="100000"/>
+          </a:lnSpc>
+          <a:spcBef>
+            <a:spcPts val="0"/>
+          </a:spcBef>
+          <a:spcAft>
+            <a:spcPts val="0"/>
+          </a:spcAft>
+          <a:buClrTx/>
+          <a:buSzTx/>
+          <a:buFontTx/>
+          <a:buNone/>
+          <a:tabLst/>
+          <a:defRPr b="0" baseline="0" cap="none" i="0" spc="0" strike="noStrike" sz="1800" u="none" kumimoji="0" normalizeH="0">
+            <a:ln>
+              <a:noFill/>
+            </a:ln>
+            <a:solidFill>
+              <a:srgbClr val="000000"/>
+            </a:solidFill>
+            <a:effectLst/>
+            <a:uFillTx/>
+          </a:defRPr>
+        </a:lvl9pPr>
+      </a:lstStyle>
+      <a:style>
+        <a:lnRef idx="0"/>
+        <a:fillRef idx="0"/>
+        <a:effectRef idx="0"/>
+        <a:fontRef idx="none"/>
+      </a:style>
+    </a:lnDef>
+    <a:txDef>
+      <a:spPr>
+        <a:noFill/>
+        <a:ln w="12700" cap="flat">
+          <a:noFill/>
+          <a:miter lim="400000"/>
+        </a:ln>
+        <a:effectLst/>
+        <a:sp3d/>
+      </a:spPr>
+      <a:bodyPr rot="0" spcFirstLastPara="1" vertOverflow="overflow" horzOverflow="overflow" vert="horz" wrap="square" lIns="45719" tIns="45719" rIns="45719" bIns="45719" numCol="1" spcCol="38100" rtlCol="0" anchor="t" upright="0">
+        <a:spAutoFit/>
+      </a:bodyPr>
+      <a:lstStyle>
+        <a:defPPr marL="0" marR="0" indent="0" algn="l" defTabSz="914400" rtl="0" fontAlgn="auto" latinLnBrk="0" hangingPunct="0">
+          <a:lnSpc>
+            <a:spcPct val="100000"/>
+          </a:lnSpc>
+          <a:spcBef>
+            <a:spcPts val="0"/>
+          </a:spcBef>
+          <a:spcAft>
+            <a:spcPts val="0"/>
+          </a:spcAft>
+          <a:buClrTx/>
+          <a:buSzTx/>
+          <a:buFontTx/>
+          <a:buNone/>
+          <a:tabLst/>
+          <a:defRPr b="0" baseline="0" cap="none" i="0" spc="0" strike="noStrike" sz="1800" u="none" kumimoji="0" normalizeH="0">
+            <a:ln>
+              <a:noFill/>
+            </a:ln>
+            <a:solidFill>
+              <a:srgbClr val="000000"/>
+            </a:solidFill>
+            <a:effectLst/>
+            <a:uFillTx/>
+            <a:latin typeface="+mn-lt"/>
+            <a:ea typeface="+mn-ea"/>
+            <a:cs typeface="+mn-cs"/>
+            <a:sym typeface="Calibri"/>
+          </a:defRPr>
+        </a:defPPr>
+        <a:lvl1pPr marL="0" marR="0" indent="0" algn="l" defTabSz="914400" rtl="0" fontAlgn="auto" latinLnBrk="1" hangingPunct="0">
+          <a:lnSpc>
+            <a:spcPct val="100000"/>
+          </a:lnSpc>
+          <a:spcBef>
+            <a:spcPts val="0"/>
+          </a:spcBef>
+          <a:spcAft>
+            <a:spcPts val="0"/>
+          </a:spcAft>
+          <a:buClrTx/>
+          <a:buSzTx/>
+          <a:buFontTx/>
+          <a:buNone/>
+          <a:tabLst/>
+          <a:defRPr b="0" baseline="0" cap="none" i="0" spc="0" strike="noStrike" sz="1800" u="none" kumimoji="0" normalizeH="0">
+            <a:ln>
+              <a:noFill/>
+            </a:ln>
+            <a:solidFill>
+              <a:srgbClr val="000000"/>
+            </a:solidFill>
+            <a:effectLst/>
+            <a:uFillTx/>
+          </a:defRPr>
+        </a:lvl1pPr>
+        <a:lvl2pPr marL="0" marR="0" indent="0" algn="l" defTabSz="914400" rtl="0" fontAlgn="auto" latinLnBrk="1" hangingPunct="0">
+          <a:lnSpc>
+            <a:spcPct val="100000"/>
+          </a:lnSpc>
+          <a:spcBef>
+            <a:spcPts val="0"/>
+          </a:spcBef>
+          <a:spcAft>
+            <a:spcPts val="0"/>
+          </a:spcAft>
+          <a:buClrTx/>
+          <a:buSzTx/>
+          <a:buFontTx/>
+          <a:buNone/>
+          <a:tabLst/>
+          <a:defRPr b="0" baseline="0" cap="none" i="0" spc="0" strike="noStrike" sz="1800" u="none" kumimoji="0" normalizeH="0">
+            <a:ln>
+              <a:noFill/>
+            </a:ln>
+            <a:solidFill>
+              <a:srgbClr val="000000"/>
+            </a:solidFill>
+            <a:effectLst/>
+            <a:uFillTx/>
+          </a:defRPr>
+        </a:lvl2pPr>
+        <a:lvl3pPr marL="0" marR="0" indent="0" algn="l" defTabSz="914400" rtl="0" fontAlgn="auto" latinLnBrk="1" hangingPunct="0">
+          <a:lnSpc>
+            <a:spcPct val="100000"/>
+          </a:lnSpc>
+          <a:spcBef>
+            <a:spcPts val="0"/>
+          </a:spcBef>
+          <a:spcAft>
+            <a:spcPts val="0"/>
+          </a:spcAft>
+          <a:buClrTx/>
+          <a:buSzTx/>
+          <a:buFontTx/>
+          <a:buNone/>
+          <a:tabLst/>
+          <a:defRPr b="0" baseline="0" cap="none" i="0" spc="0" strike="noStrike" sz="1800" u="none" kumimoji="0" normalizeH="0">
+            <a:ln>
+              <a:noFill/>
+            </a:ln>
+            <a:solidFill>
+              <a:srgbClr val="000000"/>
+            </a:solidFill>
+            <a:effectLst/>
+            <a:uFillTx/>
+          </a:defRPr>
+        </a:lvl3pPr>
+        <a:lvl4pPr marL="0" marR="0" indent="0" algn="l" defTabSz="914400" rtl="0" fontAlgn="auto" latinLnBrk="1" hangingPunct="0">
+          <a:lnSpc>
+            <a:spcPct val="100000"/>
+          </a:lnSpc>
+          <a:spcBef>
+            <a:spcPts val="0"/>
+          </a:spcBef>
+          <a:spcAft>
+            <a:spcPts val="0"/>
+          </a:spcAft>
+          <a:buClrTx/>
+          <a:buSzTx/>
+          <a:buFontTx/>
+          <a:buNone/>
+          <a:tabLst/>
+          <a:defRPr b="0" baseline="0" cap="none" i="0" spc="0" strike="noStrike" sz="1800" u="none" kumimoji="0" normalizeH="0">
+            <a:ln>
+              <a:noFill/>
+            </a:ln>
+            <a:solidFill>
+              <a:srgbClr val="000000"/>
+            </a:solidFill>
+            <a:effectLst/>
+            <a:uFillTx/>
+          </a:defRPr>
+        </a:lvl4pPr>
+        <a:lvl5pPr marL="0" marR="0" indent="0" algn="l" defTabSz="914400" rtl="0" fontAlgn="auto" latinLnBrk="1" hangingPunct="0">
+          <a:lnSpc>
+            <a:spcPct val="100000"/>
+          </a:lnSpc>
+          <a:spcBef>
+            <a:spcPts val="0"/>
+          </a:spcBef>
+          <a:spcAft>
+            <a:spcPts val="0"/>
+          </a:spcAft>
+          <a:buClrTx/>
+          <a:buSzTx/>
+          <a:buFontTx/>
+          <a:buNone/>
+          <a:tabLst/>
+          <a:defRPr b="0" baseline="0" cap="none" i="0" spc="0" strike="noStrike" sz="1800" u="none" kumimoji="0" normalizeH="0">
+            <a:ln>
+              <a:noFill/>
+            </a:ln>
+            <a:solidFill>
+              <a:srgbClr val="000000"/>
+            </a:solidFill>
+            <a:effectLst/>
+            <a:uFillTx/>
+          </a:defRPr>
+        </a:lvl5pPr>
+        <a:lvl6pPr marL="0" marR="0" indent="0" algn="l" defTabSz="914400" rtl="0" fontAlgn="auto" latinLnBrk="1" hangingPunct="0">
+          <a:lnSpc>
+            <a:spcPct val="100000"/>
+          </a:lnSpc>
+          <a:spcBef>
+            <a:spcPts val="0"/>
+          </a:spcBef>
+          <a:spcAft>
+            <a:spcPts val="0"/>
+          </a:spcAft>
+          <a:buClrTx/>
+          <a:buSzTx/>
+          <a:buFontTx/>
+          <a:buNone/>
+          <a:tabLst/>
+          <a:defRPr b="0" baseline="0" cap="none" i="0" spc="0" strike="noStrike" sz="1800" u="none" kumimoji="0" normalizeH="0">
+            <a:ln>
+              <a:noFill/>
+            </a:ln>
+            <a:solidFill>
+              <a:srgbClr val="000000"/>
+            </a:solidFill>
+            <a:effectLst/>
+            <a:uFillTx/>
+          </a:defRPr>
+        </a:lvl6pPr>
+        <a:lvl7pPr marL="0" marR="0" indent="0" algn="l" defTabSz="914400" rtl="0" fontAlgn="auto" latinLnBrk="1" hangingPunct="0">
+          <a:lnSpc>
+            <a:spcPct val="100000"/>
+          </a:lnSpc>
+          <a:spcBef>
+            <a:spcPts val="0"/>
+          </a:spcBef>
+          <a:spcAft>
+            <a:spcPts val="0"/>
+          </a:spcAft>
+          <a:buClrTx/>
+          <a:buSzTx/>
+          <a:buFontTx/>
+          <a:buNone/>
+          <a:tabLst/>
+          <a:defRPr b="0" baseline="0" cap="none" i="0" spc="0" strike="noStrike" sz="1800" u="none" kumimoji="0" normalizeH="0">
+            <a:ln>
+              <a:noFill/>
+            </a:ln>
+            <a:solidFill>
+              <a:srgbClr val="000000"/>
+            </a:solidFill>
+            <a:effectLst/>
+            <a:uFillTx/>
+          </a:defRPr>
+        </a:lvl7pPr>
+        <a:lvl8pPr marL="0" marR="0" indent="0" algn="l" defTabSz="914400" rtl="0" fontAlgn="auto" latinLnBrk="1" hangingPunct="0">
+          <a:lnSpc>
+            <a:spcPct val="100000"/>
+          </a:lnSpc>
+          <a:spcBef>
+            <a:spcPts val="0"/>
+          </a:spcBef>
+          <a:spcAft>
+            <a:spcPts val="0"/>
+          </a:spcAft>
+          <a:buClrTx/>
+          <a:buSzTx/>
+          <a:buFontTx/>
+          <a:buNone/>
+          <a:tabLst/>
+          <a:defRPr b="0" baseline="0" cap="none" i="0" spc="0" strike="noStrike" sz="1800" u="none" kumimoji="0" normalizeH="0">
+            <a:ln>
+              <a:noFill/>
+            </a:ln>
+            <a:solidFill>
+              <a:srgbClr val="000000"/>
+            </a:solidFill>
+            <a:effectLst/>
+            <a:uFillTx/>
+          </a:defRPr>
+        </a:lvl8pPr>
+        <a:lvl9pPr marL="0" marR="0" indent="0" algn="l" defTabSz="914400" rtl="0" fontAlgn="auto" latinLnBrk="1" hangingPunct="0">
+          <a:lnSpc>
+            <a:spcPct val="100000"/>
+          </a:lnSpc>
+          <a:spcBef>
+            <a:spcPts val="0"/>
+          </a:spcBef>
+          <a:spcAft>
+            <a:spcPts val="0"/>
+          </a:spcAft>
+          <a:buClrTx/>
+          <a:buSzTx/>
+          <a:buFontTx/>
+          <a:buNone/>
+          <a:tabLst/>
+          <a:defRPr b="0" baseline="0" cap="none" i="0" spc="0" strike="noStrike" sz="1800" u="none" kumimoji="0" normalizeH="0">
+            <a:ln>
+              <a:noFill/>
+            </a:ln>
+            <a:solidFill>
+              <a:srgbClr val="000000"/>
+            </a:solidFill>
+            <a:effectLst/>
+            <a:uFillTx/>
+          </a:defRPr>
+        </a:lvl9pPr>
+      </a:lstStyle>
+      <a:style>
+        <a:lnRef idx="0"/>
+        <a:fillRef idx="0"/>
+        <a:effectRef idx="0"/>
+        <a:fontRef idx="none"/>
+      </a:style>
+    </a:txDef>
+  </a:objectDefaults>
+</a:theme>
+</file>
+
+<file path=ppt/theme/theme2.xml><?xml version="1.0" encoding="utf-8"?>
+<a:theme xmlns:a="http://schemas.openxmlformats.org/drawingml/2006/main" xmlns:r="http://schemas.openxmlformats.org/officeDocument/2006/relationships" name="Office Theme">
+  <a:themeElements>
+    <a:clrScheme name="Office Theme">
+      <a:dk1>
+        <a:srgbClr val="000000"/>
+      </a:dk1>
+      <a:lt1>
+        <a:srgbClr val="FFFFFF"/>
+      </a:lt1>
+      <a:dk2>
+        <a:srgbClr val="A7A7A7"/>
+      </a:dk2>
+      <a:lt2>
+        <a:srgbClr val="535353"/>
+      </a:lt2>
+      <a:accent1>
+        <a:srgbClr val="4F81BD"/>
+      </a:accent1>
+      <a:accent2>
+        <a:srgbClr val="C0504D"/>
+      </a:accent2>
+      <a:accent3>
+        <a:srgbClr val="9BBB59"/>
+      </a:accent3>
+      <a:accent4>
+        <a:srgbClr val="8064A2"/>
+      </a:accent4>
+      <a:accent5>
+        <a:srgbClr val="4BACC6"/>
+      </a:accent5>
+      <a:accent6>
+        <a:srgbClr val="F79646"/>
+      </a:accent6>
+      <a:hlink>
+        <a:srgbClr val="0000FF"/>
+      </a:hlink>
+      <a:folHlink>
+        <a:srgbClr val="FF00FF"/>
+      </a:folHlink>
+    </a:clrScheme>
+    <a:fontScheme name="Office Theme">
+      <a:majorFont>
+        <a:latin typeface="Helvetica"/>
+        <a:ea typeface="Helvetica"/>
+        <a:cs typeface="Helvetica"/>
+      </a:majorFont>
+      <a:minorFont>
+        <a:latin typeface="Calibri"/>
+        <a:ea typeface="Calibri"/>
+        <a:cs typeface="Calibri"/>
+      </a:minorFont>
+    </a:fontScheme>
+    <a:fmtScheme name="Office Theme">
+      <a:fillStyleLst>
+        <a:solidFill>
+          <a:schemeClr val="phClr"/>
+        </a:solidFill>
+        <a:gradFill rotWithShape="1">
+          <a:gsLst>
+            <a:gs pos="0">
+              <a:schemeClr val="phClr">
+                <a:tint val="50000"/>
+                <a:satMod val="300000"/>
+              </a:schemeClr>
+            </a:gs>
+            <a:gs pos="35000">
+              <a:schemeClr val="phClr">
+                <a:tint val="37000"/>
+                <a:satMod val="300000"/>
+              </a:schemeClr>
+            </a:gs>
+            <a:gs pos="100000">
+              <a:schemeClr val="phClr">
+                <a:tint val="15000"/>
+                <a:satMod val="350000"/>
+              </a:schemeClr>
+            </a:gs>
+          </a:gsLst>
+          <a:lin ang="16200000" scaled="1"/>
+        </a:gradFill>
+        <a:gradFill rotWithShape="1">
+          <a:gsLst>
+            <a:gs pos="0">
+              <a:schemeClr val="phClr">
+                <a:tint val="100000"/>
+                <a:shade val="100000"/>
+                <a:satMod val="129999"/>
+              </a:schemeClr>
+            </a:gs>
+            <a:gs pos="100000">
+              <a:schemeClr val="phClr">
+                <a:tint val="50000"/>
+                <a:shade val="100000"/>
+                <a:satMod val="350000"/>
+              </a:schemeClr>
+            </a:gs>
+          </a:gsLst>
+          <a:lin ang="16200000" scaled="0"/>
+        </a:gradFill>
+      </a:fillStyleLst>
+      <a:lnStyleLst>
+        <a:ln w="9525" cap="flat" cmpd="sng" algn="ctr">
+          <a:solidFill>
+            <a:schemeClr val="phClr">
+              <a:shade val="95000"/>
+              <a:satMod val="104999"/>
+            </a:schemeClr>
+          </a:solidFill>
+          <a:prstDash val="solid"/>
+        </a:ln>
+        <a:ln w="25400" cap="flat" cmpd="sng" algn="ctr">
+          <a:solidFill>
+            <a:schemeClr val="phClr"/>
+          </a:solidFill>
+          <a:prstDash val="solid"/>
+        </a:ln>
+        <a:ln w="38100" cap="flat" cmpd="sng" algn="ctr">
+          <a:solidFill>
+            <a:schemeClr val="phClr"/>
+          </a:solidFill>
+          <a:prstDash val="solid"/>
+        </a:ln>
+      </a:lnStyleLst>
+      <a:effectStyleLst>
+        <a:effectStyle>
+          <a:effectLst>
+            <a:outerShdw sx="100000" sy="100000" kx="0" ky="0" algn="b" rotWithShape="0" blurRad="38100" dist="23000" dir="5400000">
+              <a:srgbClr val="000000">
+                <a:alpha val="35000"/>
+              </a:srgbClr>
+            </a:outerShdw>
+          </a:effectLst>
+        </a:effectStyle>
+        <a:effectStyle>
+          <a:effectLst>
+            <a:outerShdw sx="100000" sy="100000" kx="0" ky="0" algn="b" rotWithShape="0" blurRad="38100" dist="23000" dir="5400000">
+              <a:srgbClr val="000000">
+                <a:alpha val="35000"/>
+              </a:srgbClr>
+            </a:outerShdw>
+          </a:effectLst>
+        </a:effectStyle>
+        <a:effectStyle>
+          <a:effectLst>
+            <a:outerShdw sx="100000" sy="100000" kx="0" ky="0" algn="b" rotWithShape="0" blurRad="38100" dist="20000" dir="5400000">
+              <a:srgbClr val="000000">
+                <a:alpha val="38000"/>
+              </a:srgbClr>
+            </a:outerShdw>
+          </a:effectLst>
+        </a:effectStyle>
+      </a:effectStyleLst>
+      <a:bgFillStyleLst>
+        <a:solidFill>
+          <a:schemeClr val="phClr"/>
+        </a:solidFill>
+        <a:gradFill rotWithShape="1">
+          <a:gsLst>
+            <a:gs pos="0">
+              <a:schemeClr val="phClr">
+                <a:tint val="40000"/>
+                <a:satMod val="350000"/>
+              </a:schemeClr>
+            </a:gs>
+            <a:gs pos="40000">
+              <a:schemeClr val="phClr">
+                <a:tint val="45000"/>
+                <a:shade val="99000"/>
+                <a:satMod val="350000"/>
+              </a:schemeClr>
+            </a:gs>
+            <a:gs pos="100000">
+              <a:schemeClr val="phClr">
+                <a:shade val="20000"/>
+                <a:satMod val="255000"/>
+              </a:schemeClr>
+            </a:gs>
+          </a:gsLst>
+          <a:path path="circle">
+            <a:fillToRect l="50000" t="-80000" r="50000" b="180000"/>
+          </a:path>
+        </a:gradFill>
+        <a:gradFill rotWithShape="1">
+          <a:gsLst>
+            <a:gs pos="0">
+              <a:schemeClr val="phClr">
+                <a:tint val="80000"/>
+                <a:satMod val="300000"/>
+              </a:schemeClr>
+            </a:gs>
+            <a:gs pos="100000">
+              <a:schemeClr val="phClr">
+                <a:shade val="30000"/>
+                <a:satMod val="200000"/>
+              </a:schemeClr>
+            </a:gs>
+          </a:gsLst>
+          <a:path path="circle">
+            <a:fillToRect l="50000" t="50000" r="50000" b="50000"/>
+          </a:path>
+        </a:gradFill>
+      </a:bgFillStyleLst>
+    </a:fmtScheme>
+  </a:themeElements>
+  <a:objectDefaults>
+    <a:spDef>
+      <a:spPr>
+        <a:solidFill>
+          <a:srgbClr val="FFFFFF"/>
+        </a:solidFill>
+        <a:ln w="25400" cap="flat">
+          <a:solidFill>
+            <a:schemeClr val="accent1"/>
+          </a:solidFill>
+          <a:prstDash val="solid"/>
+          <a:round/>
+        </a:ln>
+        <a:effectLst>
+          <a:outerShdw sx="100000" sy="100000" kx="0" ky="0" algn="b" rotWithShape="0" blurRad="38100" dist="23000" dir="5400000">
+            <a:srgbClr val="000000">
+              <a:alpha val="35000"/>
+            </a:srgbClr>
+          </a:outerShdw>
+        </a:effectLst>
+        <a:sp3d/>
+      </a:spPr>
+      <a:bodyPr rot="0" spcFirstLastPara="1" vertOverflow="overflow" horzOverflow="overflow" vert="horz" wrap="square" lIns="45719" tIns="45719" rIns="45719" bIns="45719" numCol="1" spcCol="38100" rtlCol="0" anchor="ctr" upright="0">
+        <a:spAutoFit/>
+      </a:bodyPr>
+      <a:lstStyle>
+        <a:defPPr marL="0" marR="0" indent="0" algn="l" defTabSz="914400" rtl="0" fontAlgn="auto" latinLnBrk="0" hangingPunct="0">
+          <a:lnSpc>
+            <a:spcPct val="100000"/>
+          </a:lnSpc>
+          <a:spcBef>
+            <a:spcPts val="0"/>
+          </a:spcBef>
+          <a:spcAft>
+            <a:spcPts val="0"/>
+          </a:spcAft>
+          <a:buClrTx/>
+          <a:buSzTx/>
+          <a:buFontTx/>
+          <a:buNone/>
+          <a:tabLst/>
+          <a:defRPr b="0" baseline="0" cap="none" i="0" spc="0" strike="noStrike" sz="1800" u="none" kumimoji="0" normalizeH="0">
+            <a:ln>
+              <a:noFill/>
+            </a:ln>
+            <a:solidFill>
+              <a:srgbClr val="000000"/>
+            </a:solidFill>
+            <a:effectLst/>
+            <a:uFillTx/>
+            <a:latin typeface="+mn-lt"/>
+            <a:ea typeface="+mn-ea"/>
+            <a:cs typeface="+mn-cs"/>
+            <a:sym typeface="Calibri"/>
+          </a:defRPr>
+        </a:defPPr>
+        <a:lvl1pPr marL="0" marR="0" indent="0" algn="l" defTabSz="914400" rtl="0" fontAlgn="auto" latinLnBrk="1" hangingPunct="0">
+          <a:lnSpc>
+            <a:spcPct val="100000"/>
+          </a:lnSpc>
+          <a:spcBef>
+            <a:spcPts val="0"/>
+          </a:spcBef>
+          <a:spcAft>
+            <a:spcPts val="0"/>
+          </a:spcAft>
+          <a:buClrTx/>
+          <a:buSzTx/>
+          <a:buFontTx/>
+          <a:buNone/>
+          <a:tabLst/>
+          <a:defRPr b="0" baseline="0" cap="none" i="0" spc="0" strike="noStrike" sz="1800" u="none" kumimoji="0" normalizeH="0">
+            <a:ln>
+              <a:noFill/>
+            </a:ln>
+            <a:solidFill>
+              <a:srgbClr val="000000"/>
+            </a:solidFill>
+            <a:effectLst/>
+            <a:uFillTx/>
+          </a:defRPr>
+        </a:lvl1pPr>
+        <a:lvl2pPr marL="0" marR="0" indent="0" algn="l" defTabSz="914400" rtl="0" fontAlgn="auto" latinLnBrk="1" hangingPunct="0">
+          <a:lnSpc>
+            <a:spcPct val="100000"/>
+          </a:lnSpc>
+          <a:spcBef>
+            <a:spcPts val="0"/>
+          </a:spcBef>
+          <a:spcAft>
+            <a:spcPts val="0"/>
+          </a:spcAft>
+          <a:buClrTx/>
+          <a:buSzTx/>
+          <a:buFontTx/>
+          <a:buNone/>
+          <a:tabLst/>
+          <a:defRPr b="0" baseline="0" cap="none" i="0" spc="0" strike="noStrike" sz="1800" u="none" kumimoji="0" normalizeH="0">
+            <a:ln>
+              <a:noFill/>
+            </a:ln>
+            <a:solidFill>
+              <a:srgbClr val="000000"/>
+            </a:solidFill>
+            <a:effectLst/>
+            <a:uFillTx/>
+          </a:defRPr>
+        </a:lvl2pPr>
+        <a:lvl3pPr marL="0" marR="0" indent="0" algn="l" defTabSz="914400" rtl="0" fontAlgn="auto" latinLnBrk="1" hangingPunct="0">
+          <a:lnSpc>
+            <a:spcPct val="100000"/>
+          </a:lnSpc>
+          <a:spcBef>
+            <a:spcPts val="0"/>
+          </a:spcBef>
+          <a:spcAft>
+            <a:spcPts val="0"/>
+          </a:spcAft>
+          <a:buClrTx/>
+          <a:buSzTx/>
+          <a:buFontTx/>
+          <a:buNone/>
+          <a:tabLst/>
+          <a:defRPr b="0" baseline="0" cap="none" i="0" spc="0" strike="noStrike" sz="1800" u="none" kumimoji="0" normalizeH="0">
+            <a:ln>
+              <a:noFill/>
+            </a:ln>
+            <a:solidFill>
+              <a:srgbClr val="000000"/>
+            </a:solidFill>
+            <a:effectLst/>
+            <a:uFillTx/>
+          </a:defRPr>
+        </a:lvl3pPr>
+        <a:lvl4pPr marL="0" marR="0" indent="0" algn="l" defTabSz="914400" rtl="0" fontAlgn="auto" latinLnBrk="1" hangingPunct="0">
+          <a:lnSpc>
+            <a:spcPct val="100000"/>
+          </a:lnSpc>
+          <a:spcBef>
+            <a:spcPts val="0"/>
+          </a:spcBef>
+          <a:spcAft>
+            <a:spcPts val="0"/>
+          </a:spcAft>
+          <a:buClrTx/>
+          <a:buSzTx/>
+          <a:buFontTx/>
+          <a:buNone/>
+          <a:tabLst/>
+          <a:defRPr b="0" baseline="0" cap="none" i="0" spc="0" strike="noStrike" sz="1800" u="none" kumimoji="0" normalizeH="0">
+            <a:ln>
+              <a:noFill/>
+            </a:ln>
+            <a:solidFill>
+              <a:srgbClr val="000000"/>
+            </a:solidFill>
+            <a:effectLst/>
+            <a:uFillTx/>
+          </a:defRPr>
+        </a:lvl4pPr>
+        <a:lvl5pPr marL="0" marR="0" indent="0" algn="l" defTabSz="914400" rtl="0" fontAlgn="auto" latinLnBrk="1" hangingPunct="0">
+          <a:lnSpc>
+            <a:spcPct val="100000"/>
+          </a:lnSpc>
+          <a:spcBef>
+            <a:spcPts val="0"/>
+          </a:spcBef>
+          <a:spcAft>
+            <a:spcPts val="0"/>
+          </a:spcAft>
+          <a:buClrTx/>
+          <a:buSzTx/>
+          <a:buFontTx/>
+          <a:buNone/>
+          <a:tabLst/>
+          <a:defRPr b="0" baseline="0" cap="none" i="0" spc="0" strike="noStrike" sz="1800" u="none" kumimoji="0" normalizeH="0">
+            <a:ln>
+              <a:noFill/>
+            </a:ln>
+            <a:solidFill>
+              <a:srgbClr val="000000"/>
+            </a:solidFill>
+            <a:effectLst/>
+            <a:uFillTx/>
+          </a:defRPr>
+        </a:lvl5pPr>
+        <a:lvl6pPr marL="0" marR="0" indent="0" algn="l" defTabSz="914400" rtl="0" fontAlgn="auto" latinLnBrk="1" hangingPunct="0">
+          <a:lnSpc>
+            <a:spcPct val="100000"/>
+          </a:lnSpc>
+          <a:spcBef>
+            <a:spcPts val="0"/>
+          </a:spcBef>
+          <a:spcAft>
+            <a:spcPts val="0"/>
+          </a:spcAft>
+          <a:buClrTx/>
+          <a:buSzTx/>
+          <a:buFontTx/>
+          <a:buNone/>
+          <a:tabLst/>
+          <a:defRPr b="0" baseline="0" cap="none" i="0" spc="0" strike="noStrike" sz="1800" u="none" kumimoji="0" normalizeH="0">
+            <a:ln>
+              <a:noFill/>
+            </a:ln>
+            <a:solidFill>
+              <a:srgbClr val="000000"/>
+            </a:solidFill>
+            <a:effectLst/>
+            <a:uFillTx/>
+          </a:defRPr>
+        </a:lvl6pPr>
+        <a:lvl7pPr marL="0" marR="0" indent="0" algn="l" defTabSz="914400" rtl="0" fontAlgn="auto" latinLnBrk="1" hangingPunct="0">
+          <a:lnSpc>
+            <a:spcPct val="100000"/>
+          </a:lnSpc>
+          <a:spcBef>
+            <a:spcPts val="0"/>
+          </a:spcBef>
+          <a:spcAft>
+            <a:spcPts val="0"/>
+          </a:spcAft>
+          <a:buClrTx/>
+          <a:buSzTx/>
+          <a:buFontTx/>
+          <a:buNone/>
+          <a:tabLst/>
+          <a:defRPr b="0" baseline="0" cap="none" i="0" spc="0" strike="noStrike" sz="1800" u="none" kumimoji="0" normalizeH="0">
+            <a:ln>
+              <a:noFill/>
+            </a:ln>
+            <a:solidFill>
+              <a:srgbClr val="000000"/>
+            </a:solidFill>
+            <a:effectLst/>
+            <a:uFillTx/>
+          </a:defRPr>
+        </a:lvl7pPr>
+        <a:lvl8pPr marL="0" marR="0" indent="0" algn="l" defTabSz="914400" rtl="0" fontAlgn="auto" latinLnBrk="1" hangingPunct="0">
+          <a:lnSpc>
+            <a:spcPct val="100000"/>
+          </a:lnSpc>
+          <a:spcBef>
+            <a:spcPts val="0"/>
+          </a:spcBef>
+          <a:spcAft>
+            <a:spcPts val="0"/>
+          </a:spcAft>
+          <a:buClrTx/>
+          <a:buSzTx/>
+          <a:buFontTx/>
+          <a:buNone/>
+          <a:tabLst/>
+          <a:defRPr b="0" baseline="0" cap="none" i="0" spc="0" strike="noStrike" sz="1800" u="none" kumimoji="0" normalizeH="0">
+            <a:ln>
+              <a:noFill/>
+            </a:ln>
+            <a:solidFill>
+              <a:srgbClr val="000000"/>
+            </a:solidFill>
+            <a:effectLst/>
+            <a:uFillTx/>
+          </a:defRPr>
+        </a:lvl8pPr>
+        <a:lvl9pPr marL="0" marR="0" indent="0" algn="l" defTabSz="914400" rtl="0" fontAlgn="auto" latinLnBrk="1" hangingPunct="0">
+          <a:lnSpc>
+            <a:spcPct val="100000"/>
+          </a:lnSpc>
+          <a:spcBef>
+            <a:spcPts val="0"/>
+          </a:spcBef>
+          <a:spcAft>
+            <a:spcPts val="0"/>
+          </a:spcAft>
+          <a:buClrTx/>
+          <a:buSzTx/>
+          <a:buFontTx/>
+          <a:buNone/>
+          <a:tabLst/>
+          <a:defRPr b="0" baseline="0" cap="none" i="0" spc="0" strike="noStrike" sz="1800" u="none" kumimoji="0" normalizeH="0">
+            <a:ln>
+              <a:noFill/>
+            </a:ln>
+            <a:solidFill>
+              <a:srgbClr val="000000"/>
+            </a:solidFill>
+            <a:effectLst/>
+            <a:uFillTx/>
+          </a:defRPr>
+        </a:lvl9pPr>
+      </a:lstStyle>
+      <a:style>
+        <a:lnRef idx="0"/>
+        <a:fillRef idx="0"/>
+        <a:effectRef idx="0"/>
+        <a:fontRef idx="none"/>
+      </a:style>
+    </a:spDef>
+    <a:lnDef>
+      <a:spPr>
+        <a:noFill/>
+        <a:ln w="25400" cap="flat">
+          <a:solidFill>
+            <a:schemeClr val="accent1"/>
+          </a:solidFill>
+          <a:prstDash val="solid"/>
+          <a:round/>
+        </a:ln>
+        <a:effectLst>
+          <a:outerShdw sx="100000" sy="100000" kx="0" ky="0" algn="b" rotWithShape="0" blurRad="38100" dist="20000" dir="5400000">
+            <a:srgbClr val="000000">
+              <a:alpha val="38000"/>
+            </a:srgbClr>
+          </a:outerShdw>
+        </a:effectLst>
+        <a:sp3d/>
+      </a:spPr>
+      <a:bodyPr rot="0" spcFirstLastPara="1" vertOverflow="overflow" horzOverflow="overflow" vert="horz" wrap="square" lIns="91439" tIns="45719" rIns="91439" bIns="45719" numCol="1" spcCol="38100" rtlCol="0" anchor="t" upright="0">
+        <a:noAutofit/>
+      </a:bodyPr>
+      <a:lstStyle>
+        <a:defPPr marL="0" marR="0" indent="0" algn="l" defTabSz="914400" rtl="0" fontAlgn="auto" latinLnBrk="1" hangingPunct="0">
+          <a:lnSpc>
+            <a:spcPct val="100000"/>
+          </a:lnSpc>
+          <a:spcBef>
+            <a:spcPts val="0"/>
+          </a:spcBef>
+          <a:spcAft>
+            <a:spcPts val="0"/>
+          </a:spcAft>
+          <a:buClrTx/>
+          <a:buSzTx/>
+          <a:buFontTx/>
+          <a:buNone/>
+          <a:tabLst/>
+          <a:defRPr b="0" baseline="0" cap="none" i="0" spc="0" strike="noStrike" sz="1800" u="none" kumimoji="0" normalizeH="0">
+            <a:ln>
+              <a:noFill/>
+            </a:ln>
+            <a:solidFill>
+              <a:srgbClr val="000000"/>
+            </a:solidFill>
+            <a:effectLst/>
+            <a:uFillTx/>
+          </a:defRPr>
+        </a:defPPr>
+        <a:lvl1pPr marL="0" marR="0" indent="0" algn="l" defTabSz="914400" rtl="0" fontAlgn="auto" latinLnBrk="1" hangingPunct="0">
+          <a:lnSpc>
+            <a:spcPct val="100000"/>
+          </a:lnSpc>
+          <a:spcBef>
+            <a:spcPts val="0"/>
+          </a:spcBef>
+          <a:spcAft>
+            <a:spcPts val="0"/>
+          </a:spcAft>
+          <a:buClrTx/>
+          <a:buSzTx/>
+          <a:buFontTx/>
+          <a:buNone/>
+          <a:tabLst/>
+          <a:defRPr b="0" baseline="0" cap="none" i="0" spc="0" strike="noStrike" sz="1800" u="none" kumimoji="0" normalizeH="0">
+            <a:ln>
+              <a:noFill/>
+            </a:ln>
+            <a:solidFill>
+              <a:srgbClr val="000000"/>
+            </a:solidFill>
+            <a:effectLst/>
+            <a:uFillTx/>
+          </a:defRPr>
+        </a:lvl1pPr>
+        <a:lvl2pPr marL="0" marR="0" indent="0" algn="l" defTabSz="914400" rtl="0" fontAlgn="auto" latinLnBrk="1" hangingPunct="0">
+          <a:lnSpc>
+            <a:spcPct val="100000"/>
+          </a:lnSpc>
+          <a:spcBef>
+            <a:spcPts val="0"/>
+          </a:spcBef>
+          <a:spcAft>
+            <a:spcPts val="0"/>
+          </a:spcAft>
+          <a:buClrTx/>
+          <a:buSzTx/>
+          <a:buFontTx/>
+          <a:buNone/>
+          <a:tabLst/>
+          <a:defRPr b="0" baseline="0" cap="none" i="0" spc="0" strike="noStrike" sz="1800" u="none" kumimoji="0" normalizeH="0">
+            <a:ln>
+              <a:noFill/>
+            </a:ln>
+            <a:solidFill>
+              <a:srgbClr val="000000"/>
+            </a:solidFill>
+            <a:effectLst/>
+            <a:uFillTx/>
+          </a:defRPr>
+        </a:lvl2pPr>
+        <a:lvl3pPr marL="0" marR="0" indent="0" algn="l" defTabSz="914400" rtl="0" fontAlgn="auto" latinLnBrk="1" hangingPunct="0">
+          <a:lnSpc>
+            <a:spcPct val="100000"/>
+          </a:lnSpc>
+          <a:spcBef>
+            <a:spcPts val="0"/>
+          </a:spcBef>
+          <a:spcAft>
+            <a:spcPts val="0"/>
+          </a:spcAft>
+          <a:buClrTx/>
+          <a:buSzTx/>
+          <a:buFontTx/>
+          <a:buNone/>
+          <a:tabLst/>
+          <a:defRPr b="0" baseline="0" cap="none" i="0" spc="0" strike="noStrike" sz="1800" u="none" kumimoji="0" normalizeH="0">
+            <a:ln>
+              <a:noFill/>
+            </a:ln>
+            <a:solidFill>
+              <a:srgbClr val="000000"/>
+            </a:solidFill>
+            <a:effectLst/>
+            <a:uFillTx/>
+          </a:defRPr>
+        </a:lvl3pPr>
+        <a:lvl4pPr marL="0" marR="0" indent="0" algn="l" defTabSz="914400" rtl="0" fontAlgn="auto" latinLnBrk="1" hangingPunct="0">
+          <a:lnSpc>
+            <a:spcPct val="100000"/>
+          </a:lnSpc>
+          <a:spcBef>
+            <a:spcPts val="0"/>
+          </a:spcBef>
+          <a:spcAft>
+            <a:spcPts val="0"/>
+          </a:spcAft>
+          <a:buClrTx/>
+          <a:buSzTx/>
+          <a:buFontTx/>
+          <a:buNone/>
+          <a:tabLst/>
+          <a:defRPr b="0" baseline="0" cap="none" i="0" spc="0" strike="noStrike" sz="1800" u="none" kumimoji="0" normalizeH="0">
+            <a:ln>
+              <a:noFill/>
+            </a:ln>
+            <a:solidFill>
+              <a:srgbClr val="000000"/>
+            </a:solidFill>
+            <a:effectLst/>
+            <a:uFillTx/>
+          </a:defRPr>
+        </a:lvl4pPr>
+        <a:lvl5pPr marL="0" marR="0" indent="0" algn="l" defTabSz="914400" rtl="0" fontAlgn="auto" latinLnBrk="1" hangingPunct="0">
+          <a:lnSpc>
+            <a:spcPct val="100000"/>
+          </a:lnSpc>
+          <a:spcBef>
+            <a:spcPts val="0"/>
+          </a:spcBef>
+          <a:spcAft>
+            <a:spcPts val="0"/>
+          </a:spcAft>
+          <a:buClrTx/>
+          <a:buSzTx/>
+          <a:buFontTx/>
+          <a:buNone/>
+          <a:tabLst/>
+          <a:defRPr b="0" baseline="0" cap="none" i="0" spc="0" strike="noStrike" sz="1800" u="none" kumimoji="0" normalizeH="0">
+            <a:ln>
+              <a:noFill/>
+            </a:ln>
+            <a:solidFill>
+              <a:srgbClr val="000000"/>
+            </a:solidFill>
+            <a:effectLst/>
+            <a:uFillTx/>
+          </a:defRPr>
+        </a:lvl5pPr>
+        <a:lvl6pPr marL="0" marR="0" indent="0" algn="l" defTabSz="914400" rtl="0" fontAlgn="auto" latinLnBrk="1" hangingPunct="0">
+          <a:lnSpc>
+            <a:spcPct val="100000"/>
+          </a:lnSpc>
+          <a:spcBef>
+            <a:spcPts val="0"/>
+          </a:spcBef>
+          <a:spcAft>
+            <a:spcPts val="0"/>
+          </a:spcAft>
+          <a:buClrTx/>
+          <a:buSzTx/>
+          <a:buFontTx/>
+          <a:buNone/>
+          <a:tabLst/>
+          <a:defRPr b="0" baseline="0" cap="none" i="0" spc="0" strike="noStrike" sz="1800" u="none" kumimoji="0" normalizeH="0">
+            <a:ln>
+              <a:noFill/>
+            </a:ln>
+            <a:solidFill>
+              <a:srgbClr val="000000"/>
+            </a:solidFill>
+            <a:effectLst/>
+            <a:uFillTx/>
+          </a:defRPr>
+        </a:lvl6pPr>
+        <a:lvl7pPr marL="0" marR="0" indent="0" algn="l" defTabSz="914400" rtl="0" fontAlgn="auto" latinLnBrk="1" hangingPunct="0">
+          <a:lnSpc>
+            <a:spcPct val="100000"/>
+          </a:lnSpc>
+          <a:spcBef>
+            <a:spcPts val="0"/>
+          </a:spcBef>
+          <a:spcAft>
+            <a:spcPts val="0"/>
+          </a:spcAft>
+          <a:buClrTx/>
+          <a:buSzTx/>
+          <a:buFontTx/>
+          <a:buNone/>
+          <a:tabLst/>
+          <a:defRPr b="0" baseline="0" cap="none" i="0" spc="0" strike="noStrike" sz="1800" u="none" kumimoji="0" normalizeH="0">
+            <a:ln>
+              <a:noFill/>
+            </a:ln>
+            <a:solidFill>
+              <a:srgbClr val="000000"/>
+            </a:solidFill>
+            <a:effectLst/>
+            <a:uFillTx/>
+          </a:defRPr>
+        </a:lvl7pPr>
+        <a:lvl8pPr marL="0" marR="0" indent="0" algn="l" defTabSz="914400" rtl="0" fontAlgn="auto" latinLnBrk="1" hangingPunct="0">
+          <a:lnSpc>
+            <a:spcPct val="100000"/>
+          </a:lnSpc>
+          <a:spcBef>
+            <a:spcPts val="0"/>
+          </a:spcBef>
+          <a:spcAft>
+            <a:spcPts val="0"/>
+          </a:spcAft>
+          <a:buClrTx/>
+          <a:buSzTx/>
+          <a:buFontTx/>
+          <a:buNone/>
+          <a:tabLst/>
+          <a:defRPr b="0" baseline="0" cap="none" i="0" spc="0" strike="noStrike" sz="1800" u="none" kumimoji="0" normalizeH="0">
+            <a:ln>
+              <a:noFill/>
+            </a:ln>
+            <a:solidFill>
+              <a:srgbClr val="000000"/>
+            </a:solidFill>
+            <a:effectLst/>
+            <a:uFillTx/>
+          </a:defRPr>
+        </a:lvl8pPr>
+        <a:lvl9pPr marL="0" marR="0" indent="0" algn="l" defTabSz="914400" rtl="0" fontAlgn="auto" latinLnBrk="1" hangingPunct="0">
+          <a:lnSpc>
+            <a:spcPct val="100000"/>
+          </a:lnSpc>
+          <a:spcBef>
+            <a:spcPts val="0"/>
+          </a:spcBef>
+          <a:spcAft>
+            <a:spcPts val="0"/>
+          </a:spcAft>
+          <a:buClrTx/>
+          <a:buSzTx/>
+          <a:buFontTx/>
+          <a:buNone/>
+          <a:tabLst/>
+          <a:defRPr b="0" baseline="0" cap="none" i="0" spc="0" strike="noStrike" sz="1800" u="none" kumimoji="0" normalizeH="0">
+            <a:ln>
+              <a:noFill/>
+            </a:ln>
+            <a:solidFill>
+              <a:srgbClr val="000000"/>
+            </a:solidFill>
+            <a:effectLst/>
+            <a:uFillTx/>
+          </a:defRPr>
+        </a:lvl9pPr>
+      </a:lstStyle>
+      <a:style>
+        <a:lnRef idx="0"/>
+        <a:fillRef idx="0"/>
+        <a:effectRef idx="0"/>
+        <a:fontRef idx="none"/>
+      </a:style>
+    </a:lnDef>
+    <a:txDef>
+      <a:spPr>
+        <a:noFill/>
+        <a:ln w="12700" cap="flat">
+          <a:noFill/>
+          <a:miter lim="400000"/>
+        </a:ln>
+        <a:effectLst/>
+        <a:sp3d/>
+      </a:spPr>
+      <a:bodyPr rot="0" spcFirstLastPara="1" vertOverflow="overflow" horzOverflow="overflow" vert="horz" wrap="square" lIns="45719" tIns="45719" rIns="45719" bIns="45719" numCol="1" spcCol="38100" rtlCol="0" anchor="t" upright="0">
+        <a:spAutoFit/>
+      </a:bodyPr>
+      <a:lstStyle>
+        <a:defPPr marL="0" marR="0" indent="0" algn="l" defTabSz="914400" rtl="0" fontAlgn="auto" latinLnBrk="0" hangingPunct="0">
+          <a:lnSpc>
+            <a:spcPct val="100000"/>
+          </a:lnSpc>
+          <a:spcBef>
+            <a:spcPts val="0"/>
+          </a:spcBef>
+          <a:spcAft>
+            <a:spcPts val="0"/>
+          </a:spcAft>
+          <a:buClrTx/>
+          <a:buSzTx/>
+          <a:buFontTx/>
+          <a:buNone/>
+          <a:tabLst/>
+          <a:defRPr b="0" baseline="0" cap="none" i="0" spc="0" strike="noStrike" sz="1800" u="none" kumimoji="0" normalizeH="0">
+            <a:ln>
+              <a:noFill/>
+            </a:ln>
+            <a:solidFill>
+              <a:srgbClr val="000000"/>
+            </a:solidFill>
+            <a:effectLst/>
+            <a:uFillTx/>
+            <a:latin typeface="+mn-lt"/>
+            <a:ea typeface="+mn-ea"/>
+            <a:cs typeface="+mn-cs"/>
+            <a:sym typeface="Calibri"/>
+          </a:defRPr>
+        </a:defPPr>
+        <a:lvl1pPr marL="0" marR="0" indent="0" algn="l" defTabSz="914400" rtl="0" fontAlgn="auto" latinLnBrk="1" hangingPunct="0">
+          <a:lnSpc>
+            <a:spcPct val="100000"/>
+          </a:lnSpc>
+          <a:spcBef>
+            <a:spcPts val="0"/>
+          </a:spcBef>
+          <a:spcAft>
+            <a:spcPts val="0"/>
+          </a:spcAft>
+          <a:buClrTx/>
+          <a:buSzTx/>
+          <a:buFontTx/>
+          <a:buNone/>
+          <a:tabLst/>
+          <a:defRPr b="0" baseline="0" cap="none" i="0" spc="0" strike="noStrike" sz="1800" u="none" kumimoji="0" normalizeH="0">
+            <a:ln>
+              <a:noFill/>
+            </a:ln>
+            <a:solidFill>
+              <a:srgbClr val="000000"/>
+            </a:solidFill>
+            <a:effectLst/>
+            <a:uFillTx/>
+          </a:defRPr>
+        </a:lvl1pPr>
+        <a:lvl2pPr marL="0" marR="0" indent="0" algn="l" defTabSz="914400" rtl="0" fontAlgn="auto" latinLnBrk="1" hangingPunct="0">
+          <a:lnSpc>
+            <a:spcPct val="100000"/>
+          </a:lnSpc>
+          <a:spcBef>
+            <a:spcPts val="0"/>
+          </a:spcBef>
+          <a:spcAft>
+            <a:spcPts val="0"/>
+          </a:spcAft>
+          <a:buClrTx/>
+          <a:buSzTx/>
+          <a:buFontTx/>
+          <a:buNone/>
+          <a:tabLst/>
+          <a:defRPr b="0" baseline="0" cap="none" i="0" spc="0" strike="noStrike" sz="1800" u="none" kumimoji="0" normalizeH="0">
+            <a:ln>
+              <a:noFill/>
+            </a:ln>
+            <a:solidFill>
+              <a:srgbClr val="000000"/>
+            </a:solidFill>
+            <a:effectLst/>
+            <a:uFillTx/>
+          </a:defRPr>
+        </a:lvl2pPr>
+        <a:lvl3pPr marL="0" marR="0" indent="0" algn="l" defTabSz="914400" rtl="0" fontAlgn="auto" latinLnBrk="1" hangingPunct="0">
+          <a:lnSpc>
+            <a:spcPct val="100000"/>
+          </a:lnSpc>
+          <a:spcBef>
+            <a:spcPts val="0"/>
+          </a:spcBef>
+          <a:spcAft>
+            <a:spcPts val="0"/>
+          </a:spcAft>
+          <a:buClrTx/>
+          <a:buSzTx/>
+          <a:buFontTx/>
+          <a:buNone/>
+          <a:tabLst/>
+          <a:defRPr b="0" baseline="0" cap="none" i="0" spc="0" strike="noStrike" sz="1800" u="none" kumimoji="0" normalizeH="0">
+            <a:ln>
+              <a:noFill/>
+            </a:ln>
+            <a:solidFill>
+              <a:srgbClr val="000000"/>
+            </a:solidFill>
+            <a:effectLst/>
+            <a:uFillTx/>
+          </a:defRPr>
+        </a:lvl3pPr>
+        <a:lvl4pPr marL="0" marR="0" indent="0" algn="l" defTabSz="914400" rtl="0" fontAlgn="auto" latinLnBrk="1" hangingPunct="0">
+          <a:lnSpc>
+            <a:spcPct val="100000"/>
+          </a:lnSpc>
+          <a:spcBef>
+            <a:spcPts val="0"/>
+          </a:spcBef>
+          <a:spcAft>
+            <a:spcPts val="0"/>
+          </a:spcAft>
+          <a:buClrTx/>
+          <a:buSzTx/>
+          <a:buFontTx/>
+          <a:buNone/>
+          <a:tabLst/>
+          <a:defRPr b="0" baseline="0" cap="none" i="0" spc="0" strike="noStrike" sz="1800" u="none" kumimoji="0" normalizeH="0">
+            <a:ln>
+              <a:noFill/>
+            </a:ln>
+            <a:solidFill>
+              <a:srgbClr val="000000"/>
+            </a:solidFill>
+            <a:effectLst/>
+            <a:uFillTx/>
+          </a:defRPr>
+        </a:lvl4pPr>
+        <a:lvl5pPr marL="0" marR="0" indent="0" algn="l" defTabSz="914400" rtl="0" fontAlgn="auto" latinLnBrk="1" hangingPunct="0">
+          <a:lnSpc>
+            <a:spcPct val="100000"/>
+          </a:lnSpc>
+          <a:spcBef>
+            <a:spcPts val="0"/>
+          </a:spcBef>
+          <a:spcAft>
+            <a:spcPts val="0"/>
+          </a:spcAft>
+          <a:buClrTx/>
+          <a:buSzTx/>
+          <a:buFontTx/>
+          <a:buNone/>
+          <a:tabLst/>
+          <a:defRPr b="0" baseline="0" cap="none" i="0" spc="0" strike="noStrike" sz="1800" u="none" kumimoji="0" normalizeH="0">
+            <a:ln>
+              <a:noFill/>
+            </a:ln>
+            <a:solidFill>
+              <a:srgbClr val="000000"/>
+            </a:solidFill>
+            <a:effectLst/>
+            <a:uFillTx/>
+          </a:defRPr>
+        </a:lvl5pPr>
+        <a:lvl6pPr marL="0" marR="0" indent="0" algn="l" defTabSz="914400" rtl="0" fontAlgn="auto" latinLnBrk="1" hangingPunct="0">
+          <a:lnSpc>
+            <a:spcPct val="100000"/>
+          </a:lnSpc>
+          <a:spcBef>
+            <a:spcPts val="0"/>
+          </a:spcBef>
+          <a:spcAft>
+            <a:spcPts val="0"/>
+          </a:spcAft>
+          <a:buClrTx/>
+          <a:buSzTx/>
+          <a:buFontTx/>
+          <a:buNone/>
+          <a:tabLst/>
+          <a:defRPr b="0" baseline="0" cap="none" i="0" spc="0" strike="noStrike" sz="1800" u="none" kumimoji="0" normalizeH="0">
+            <a:ln>
+              <a:noFill/>
+            </a:ln>
+            <a:solidFill>
+              <a:srgbClr val="000000"/>
+            </a:solidFill>
+            <a:effectLst/>
+            <a:uFillTx/>
+          </a:defRPr>
+        </a:lvl6pPr>
+        <a:lvl7pPr marL="0" marR="0" indent="0" algn="l" defTabSz="914400" rtl="0" fontAlgn="auto" latinLnBrk="1" hangingPunct="0">
+          <a:lnSpc>
+            <a:spcPct val="100000"/>
+          </a:lnSpc>
+          <a:spcBef>
+            <a:spcPts val="0"/>
+          </a:spcBef>
+          <a:spcAft>
+            <a:spcPts val="0"/>
+          </a:spcAft>
+          <a:buClrTx/>
+          <a:buSzTx/>
+          <a:buFontTx/>
+          <a:buNone/>
+          <a:tabLst/>
+          <a:defRPr b="0" baseline="0" cap="none" i="0" spc="0" strike="noStrike" sz="1800" u="none" kumimoji="0" normalizeH="0">
+            <a:ln>
+              <a:noFill/>
+            </a:ln>
+            <a:solidFill>
+              <a:srgbClr val="000000"/>
+            </a:solidFill>
+            <a:effectLst/>
+            <a:uFillTx/>
+          </a:defRPr>
+        </a:lvl7pPr>
+        <a:lvl8pPr marL="0" marR="0" indent="0" algn="l" defTabSz="914400" rtl="0" fontAlgn="auto" latinLnBrk="1" hangingPunct="0">
+          <a:lnSpc>
+            <a:spcPct val="100000"/>
+          </a:lnSpc>
+          <a:spcBef>
+            <a:spcPts val="0"/>
+          </a:spcBef>
+          <a:spcAft>
+            <a:spcPts val="0"/>
+          </a:spcAft>
+          <a:buClrTx/>
+          <a:buSzTx/>
+          <a:buFontTx/>
+          <a:buNone/>
+          <a:tabLst/>
+          <a:defRPr b="0" baseline="0" cap="none" i="0" spc="0" strike="noStrike" sz="1800" u="none" kumimoji="0" normalizeH="0">
+            <a:ln>
+              <a:noFill/>
+            </a:ln>
+            <a:solidFill>
+              <a:srgbClr val="000000"/>
+            </a:solidFill>
+            <a:effectLst/>
+            <a:uFillTx/>
+          </a:defRPr>
+        </a:lvl8pPr>
+        <a:lvl9pPr marL="0" marR="0" indent="0" algn="l" defTabSz="914400" rtl="0" fontAlgn="auto" latinLnBrk="1" hangingPunct="0">
+          <a:lnSpc>
+            <a:spcPct val="100000"/>
+          </a:lnSpc>
+          <a:spcBef>
+            <a:spcPts val="0"/>
+          </a:spcBef>
+          <a:spcAft>
+            <a:spcPts val="0"/>
+          </a:spcAft>
+          <a:buClrTx/>
+          <a:buSzTx/>
+          <a:buFontTx/>
+          <a:buNone/>
+          <a:tabLst/>
+          <a:defRPr b="0" baseline="0" cap="none" i="0" spc="0" strike="noStrike" sz="1800" u="none" kumimoji="0" normalizeH="0">
+            <a:ln>
+              <a:noFill/>
+            </a:ln>
+            <a:solidFill>
+              <a:srgbClr val="000000"/>
+            </a:solidFill>
+            <a:effectLst/>
+            <a:uFillTx/>
+          </a:defRPr>
+        </a:lvl9pPr>
+      </a:lstStyle>
+      <a:style>
+        <a:lnRef idx="0"/>
+        <a:fillRef idx="0"/>
+        <a:effectRef idx="0"/>
+        <a:fontRef idx="none"/>
+      </a:style>
+    </a:txDef>
+  </a:objectDefaults>
 </a:theme>
 </file>
--- a/samples/pptx/sample.pptx
+++ b/samples/pptx/sample.pptx
@@ -25,7 +25,7 @@
     <p:sldId id="270" r:id="rId22"/>
     <p:sldId id="271" r:id="rId23"/>
   </p:sldIdLst>
-  <p:sldSz cx="24384000" cy="13716000"/>
+  <p:sldSz cx="24384000" cy="13716000" type="custom"/>
   <p:notesSz cx="6858000" cy="9144000"/>
   <p:defaultTextStyle>
     <a:defPPr marL="0" marR="0" indent="0" algn="l" defTabSz="914400" rtl="0" fontAlgn="auto" latinLnBrk="1" hangingPunct="0">
